--- a/Condensed_Matter/CMP_Figures.pptx
+++ b/Condensed_Matter/CMP_Figures.pptx
@@ -6,6 +6,7 @@
   </p:sldMasterIdLst>
   <p:sldIdLst>
     <p:sldId id="256" r:id="rId2"/>
+    <p:sldId id="257" r:id="rId3"/>
   </p:sldIdLst>
   <p:sldSz cx="9144000" cy="6858000" type="screen4x3"/>
   <p:notesSz cx="6858000" cy="9144000"/>
@@ -243,7 +244,7 @@
           <a:p>
             <a:fld id="{5D53B3DD-40FB-C74C-AA51-D5F9FC5ADA8E}" type="datetimeFigureOut">
               <a:rPr lang="en-CN" smtClean="0"/>
-              <a:t>2021/3/5</a:t>
+              <a:t>2021/7/22</a:t>
             </a:fld>
             <a:endParaRPr lang="en-CN"/>
           </a:p>
@@ -413,7 +414,7 @@
           <a:p>
             <a:fld id="{5D53B3DD-40FB-C74C-AA51-D5F9FC5ADA8E}" type="datetimeFigureOut">
               <a:rPr lang="en-CN" smtClean="0"/>
-              <a:t>2021/3/5</a:t>
+              <a:t>2021/7/22</a:t>
             </a:fld>
             <a:endParaRPr lang="en-CN"/>
           </a:p>
@@ -593,7 +594,7 @@
           <a:p>
             <a:fld id="{5D53B3DD-40FB-C74C-AA51-D5F9FC5ADA8E}" type="datetimeFigureOut">
               <a:rPr lang="en-CN" smtClean="0"/>
-              <a:t>2021/3/5</a:t>
+              <a:t>2021/7/22</a:t>
             </a:fld>
             <a:endParaRPr lang="en-CN"/>
           </a:p>
@@ -763,7 +764,7 @@
           <a:p>
             <a:fld id="{5D53B3DD-40FB-C74C-AA51-D5F9FC5ADA8E}" type="datetimeFigureOut">
               <a:rPr lang="en-CN" smtClean="0"/>
-              <a:t>2021/3/5</a:t>
+              <a:t>2021/7/22</a:t>
             </a:fld>
             <a:endParaRPr lang="en-CN"/>
           </a:p>
@@ -1007,7 +1008,7 @@
           <a:p>
             <a:fld id="{5D53B3DD-40FB-C74C-AA51-D5F9FC5ADA8E}" type="datetimeFigureOut">
               <a:rPr lang="en-CN" smtClean="0"/>
-              <a:t>2021/3/5</a:t>
+              <a:t>2021/7/22</a:t>
             </a:fld>
             <a:endParaRPr lang="en-CN"/>
           </a:p>
@@ -1239,7 +1240,7 @@
           <a:p>
             <a:fld id="{5D53B3DD-40FB-C74C-AA51-D5F9FC5ADA8E}" type="datetimeFigureOut">
               <a:rPr lang="en-CN" smtClean="0"/>
-              <a:t>2021/3/5</a:t>
+              <a:t>2021/7/22</a:t>
             </a:fld>
             <a:endParaRPr lang="en-CN"/>
           </a:p>
@@ -1606,7 +1607,7 @@
           <a:p>
             <a:fld id="{5D53B3DD-40FB-C74C-AA51-D5F9FC5ADA8E}" type="datetimeFigureOut">
               <a:rPr lang="en-CN" smtClean="0"/>
-              <a:t>2021/3/5</a:t>
+              <a:t>2021/7/22</a:t>
             </a:fld>
             <a:endParaRPr lang="en-CN"/>
           </a:p>
@@ -1724,7 +1725,7 @@
           <a:p>
             <a:fld id="{5D53B3DD-40FB-C74C-AA51-D5F9FC5ADA8E}" type="datetimeFigureOut">
               <a:rPr lang="en-CN" smtClean="0"/>
-              <a:t>2021/3/5</a:t>
+              <a:t>2021/7/22</a:t>
             </a:fld>
             <a:endParaRPr lang="en-CN"/>
           </a:p>
@@ -1819,7 +1820,7 @@
           <a:p>
             <a:fld id="{5D53B3DD-40FB-C74C-AA51-D5F9FC5ADA8E}" type="datetimeFigureOut">
               <a:rPr lang="en-CN" smtClean="0"/>
-              <a:t>2021/3/5</a:t>
+              <a:t>2021/7/22</a:t>
             </a:fld>
             <a:endParaRPr lang="en-CN"/>
           </a:p>
@@ -2096,7 +2097,7 @@
           <a:p>
             <a:fld id="{5D53B3DD-40FB-C74C-AA51-D5F9FC5ADA8E}" type="datetimeFigureOut">
               <a:rPr lang="en-CN" smtClean="0"/>
-              <a:t>2021/3/5</a:t>
+              <a:t>2021/7/22</a:t>
             </a:fld>
             <a:endParaRPr lang="en-CN"/>
           </a:p>
@@ -2353,7 +2354,7 @@
           <a:p>
             <a:fld id="{5D53B3DD-40FB-C74C-AA51-D5F9FC5ADA8E}" type="datetimeFigureOut">
               <a:rPr lang="en-CN" smtClean="0"/>
-              <a:t>2021/3/5</a:t>
+              <a:t>2021/7/22</a:t>
             </a:fld>
             <a:endParaRPr lang="en-CN"/>
           </a:p>
@@ -2566,7 +2567,7 @@
           <a:p>
             <a:fld id="{5D53B3DD-40FB-C74C-AA51-D5F9FC5ADA8E}" type="datetimeFigureOut">
               <a:rPr lang="en-CN" smtClean="0"/>
-              <a:t>2021/3/5</a:t>
+              <a:t>2021/7/22</a:t>
             </a:fld>
             <a:endParaRPr lang="en-CN"/>
           </a:p>
@@ -5152,8 +5153,8 @@
             </p:sp>
           </mc:Fallback>
         </mc:AlternateContent>
-        <mc:AlternateContent xmlns:mc="http://schemas.openxmlformats.org/markup-compatibility/2006">
-          <mc:Choice xmlns:a14="http://schemas.microsoft.com/office/drawing/2010/main" Requires="a14">
+        <mc:AlternateContent xmlns:mc="http://schemas.openxmlformats.org/markup-compatibility/2006" xmlns:a14="http://schemas.microsoft.com/office/drawing/2010/main">
+          <mc:Choice Requires="a14">
             <p:sp>
               <p:nvSpPr>
                 <p:cNvPr id="45" name="TextBox 44">
@@ -5222,7 +5223,7 @@
               </p:txBody>
             </p:sp>
           </mc:Choice>
-          <mc:Fallback>
+          <mc:Fallback xmlns="">
             <p:sp>
               <p:nvSpPr>
                 <p:cNvPr id="45" name="TextBox 44">
@@ -5267,8 +5268,8 @@
             </p:sp>
           </mc:Fallback>
         </mc:AlternateContent>
-        <mc:AlternateContent xmlns:mc="http://schemas.openxmlformats.org/markup-compatibility/2006">
-          <mc:Choice xmlns:a14="http://schemas.microsoft.com/office/drawing/2010/main" Requires="a14">
+        <mc:AlternateContent xmlns:mc="http://schemas.openxmlformats.org/markup-compatibility/2006" xmlns:a14="http://schemas.microsoft.com/office/drawing/2010/main">
+          <mc:Choice Requires="a14">
             <p:sp>
               <p:nvSpPr>
                 <p:cNvPr id="46" name="TextBox 45">
@@ -5337,7 +5338,7 @@
               </p:txBody>
             </p:sp>
           </mc:Choice>
-          <mc:Fallback>
+          <mc:Fallback xmlns="">
             <p:sp>
               <p:nvSpPr>
                 <p:cNvPr id="46" name="TextBox 45">
@@ -5382,8 +5383,8 @@
             </p:sp>
           </mc:Fallback>
         </mc:AlternateContent>
-        <mc:AlternateContent xmlns:mc="http://schemas.openxmlformats.org/markup-compatibility/2006">
-          <mc:Choice xmlns:a14="http://schemas.microsoft.com/office/drawing/2010/main" Requires="a14">
+        <mc:AlternateContent xmlns:mc="http://schemas.openxmlformats.org/markup-compatibility/2006" xmlns:a14="http://schemas.microsoft.com/office/drawing/2010/main">
+          <mc:Choice Requires="a14">
             <p:sp>
               <p:nvSpPr>
                 <p:cNvPr id="47" name="TextBox 46">
@@ -5452,7 +5453,7 @@
               </p:txBody>
             </p:sp>
           </mc:Choice>
-          <mc:Fallback>
+          <mc:Fallback xmlns="">
             <p:sp>
               <p:nvSpPr>
                 <p:cNvPr id="47" name="TextBox 46">
@@ -5497,8 +5498,8 @@
             </p:sp>
           </mc:Fallback>
         </mc:AlternateContent>
-        <mc:AlternateContent xmlns:mc="http://schemas.openxmlformats.org/markup-compatibility/2006">
-          <mc:Choice xmlns:a14="http://schemas.microsoft.com/office/drawing/2010/main" Requires="a14">
+        <mc:AlternateContent xmlns:mc="http://schemas.openxmlformats.org/markup-compatibility/2006" xmlns:a14="http://schemas.microsoft.com/office/drawing/2010/main">
+          <mc:Choice Requires="a14">
             <p:sp>
               <p:nvSpPr>
                 <p:cNvPr id="48" name="TextBox 47">
@@ -5567,7 +5568,7 @@
               </p:txBody>
             </p:sp>
           </mc:Choice>
-          <mc:Fallback>
+          <mc:Fallback xmlns="">
             <p:sp>
               <p:nvSpPr>
                 <p:cNvPr id="48" name="TextBox 47">
@@ -5848,8 +5849,8 @@
           </a:fontRef>
         </p:style>
       </p:cxnSp>
-      <mc:AlternateContent xmlns:mc="http://schemas.openxmlformats.org/markup-compatibility/2006">
-        <mc:Choice xmlns:a14="http://schemas.microsoft.com/office/drawing/2010/main" Requires="a14">
+      <mc:AlternateContent xmlns:mc="http://schemas.openxmlformats.org/markup-compatibility/2006" xmlns:a14="http://schemas.microsoft.com/office/drawing/2010/main">
+        <mc:Choice Requires="a14">
           <p:sp>
             <p:nvSpPr>
               <p:cNvPr id="6" name="TextBox 5">
@@ -5899,7 +5900,7 @@
             </p:txBody>
           </p:sp>
         </mc:Choice>
-        <mc:Fallback>
+        <mc:Fallback xmlns="">
           <p:sp>
             <p:nvSpPr>
               <p:cNvPr id="6" name="TextBox 5">
@@ -5944,8 +5945,8 @@
           </p:sp>
         </mc:Fallback>
       </mc:AlternateContent>
-      <mc:AlternateContent xmlns:mc="http://schemas.openxmlformats.org/markup-compatibility/2006">
-        <mc:Choice xmlns:a14="http://schemas.microsoft.com/office/drawing/2010/main" Requires="a14">
+      <mc:AlternateContent xmlns:mc="http://schemas.openxmlformats.org/markup-compatibility/2006" xmlns:a14="http://schemas.microsoft.com/office/drawing/2010/main">
+        <mc:Choice Requires="a14">
           <p:sp>
             <p:nvSpPr>
               <p:cNvPr id="54" name="TextBox 53">
@@ -5995,7 +5996,7 @@
             </p:txBody>
           </p:sp>
         </mc:Choice>
-        <mc:Fallback>
+        <mc:Fallback xmlns="">
           <p:sp>
             <p:nvSpPr>
               <p:cNvPr id="54" name="TextBox 53">
@@ -6040,8 +6041,8 @@
           </p:sp>
         </mc:Fallback>
       </mc:AlternateContent>
-      <mc:AlternateContent xmlns:mc="http://schemas.openxmlformats.org/markup-compatibility/2006">
-        <mc:Choice xmlns:a14="http://schemas.microsoft.com/office/drawing/2010/main" Requires="a14">
+      <mc:AlternateContent xmlns:mc="http://schemas.openxmlformats.org/markup-compatibility/2006" xmlns:a14="http://schemas.microsoft.com/office/drawing/2010/main">
+        <mc:Choice Requires="a14">
           <p:sp>
             <p:nvSpPr>
               <p:cNvPr id="55" name="TextBox 54">
@@ -6091,7 +6092,7 @@
             </p:txBody>
           </p:sp>
         </mc:Choice>
-        <mc:Fallback>
+        <mc:Fallback xmlns="">
           <p:sp>
             <p:nvSpPr>
               <p:cNvPr id="55" name="TextBox 54">
@@ -6136,8 +6137,8 @@
           </p:sp>
         </mc:Fallback>
       </mc:AlternateContent>
-      <mc:AlternateContent xmlns:mc="http://schemas.openxmlformats.org/markup-compatibility/2006">
-        <mc:Choice xmlns:a14="http://schemas.microsoft.com/office/drawing/2010/main" Requires="a14">
+      <mc:AlternateContent xmlns:mc="http://schemas.openxmlformats.org/markup-compatibility/2006" xmlns:a14="http://schemas.microsoft.com/office/drawing/2010/main">
+        <mc:Choice Requires="a14">
           <p:sp>
             <p:nvSpPr>
               <p:cNvPr id="56" name="TextBox 55">
@@ -6187,7 +6188,7 @@
             </p:txBody>
           </p:sp>
         </mc:Choice>
-        <mc:Fallback>
+        <mc:Fallback xmlns="">
           <p:sp>
             <p:nvSpPr>
               <p:cNvPr id="56" name="TextBox 55">
@@ -6325,8 +6326,8 @@
           </a:fontRef>
         </p:style>
       </p:cxnSp>
-      <mc:AlternateContent xmlns:mc="http://schemas.openxmlformats.org/markup-compatibility/2006">
-        <mc:Choice xmlns:a14="http://schemas.microsoft.com/office/drawing/2010/main" Requires="a14">
+      <mc:AlternateContent xmlns:mc="http://schemas.openxmlformats.org/markup-compatibility/2006" xmlns:a14="http://schemas.microsoft.com/office/drawing/2010/main">
+        <mc:Choice Requires="a14">
           <p:sp>
             <p:nvSpPr>
               <p:cNvPr id="9" name="Oval 8">
@@ -6390,7 +6391,7 @@
             </p:txBody>
           </p:sp>
         </mc:Choice>
-        <mc:Fallback>
+        <mc:Fallback xmlns="">
           <p:sp>
             <p:nvSpPr>
               <p:cNvPr id="9" name="Oval 8">
@@ -6480,8 +6481,8 @@
           </a:fontRef>
         </p:style>
       </p:cxnSp>
-      <mc:AlternateContent xmlns:mc="http://schemas.openxmlformats.org/markup-compatibility/2006">
-        <mc:Choice xmlns:a14="http://schemas.microsoft.com/office/drawing/2010/main" Requires="a14">
+      <mc:AlternateContent xmlns:mc="http://schemas.openxmlformats.org/markup-compatibility/2006" xmlns:a14="http://schemas.microsoft.com/office/drawing/2010/main">
+        <mc:Choice Requires="a14">
           <p:sp>
             <p:nvSpPr>
               <p:cNvPr id="60" name="TextBox 59">
@@ -6531,7 +6532,7 @@
             </p:txBody>
           </p:sp>
         </mc:Choice>
-        <mc:Fallback>
+        <mc:Fallback xmlns="">
           <p:sp>
             <p:nvSpPr>
               <p:cNvPr id="60" name="TextBox 59">
@@ -6576,8 +6577,8 @@
           </p:sp>
         </mc:Fallback>
       </mc:AlternateContent>
-      <mc:AlternateContent xmlns:mc="http://schemas.openxmlformats.org/markup-compatibility/2006">
-        <mc:Choice xmlns:a14="http://schemas.microsoft.com/office/drawing/2010/main" Requires="a14">
+      <mc:AlternateContent xmlns:mc="http://schemas.openxmlformats.org/markup-compatibility/2006" xmlns:a14="http://schemas.microsoft.com/office/drawing/2010/main">
+        <mc:Choice Requires="a14">
           <p:sp>
             <p:nvSpPr>
               <p:cNvPr id="61" name="TextBox 60">
@@ -6627,7 +6628,7 @@
             </p:txBody>
           </p:sp>
         </mc:Choice>
-        <mc:Fallback>
+        <mc:Fallback xmlns="">
           <p:sp>
             <p:nvSpPr>
               <p:cNvPr id="61" name="TextBox 60">
@@ -6672,8 +6673,8 @@
           </p:sp>
         </mc:Fallback>
       </mc:AlternateContent>
-      <mc:AlternateContent xmlns:mc="http://schemas.openxmlformats.org/markup-compatibility/2006">
-        <mc:Choice xmlns:a14="http://schemas.microsoft.com/office/drawing/2010/main" Requires="a14">
+      <mc:AlternateContent xmlns:mc="http://schemas.openxmlformats.org/markup-compatibility/2006" xmlns:a14="http://schemas.microsoft.com/office/drawing/2010/main">
+        <mc:Choice Requires="a14">
           <p:sp>
             <p:nvSpPr>
               <p:cNvPr id="62" name="TextBox 61">
@@ -6723,7 +6724,7 @@
             </p:txBody>
           </p:sp>
         </mc:Choice>
-        <mc:Fallback>
+        <mc:Fallback xmlns="">
           <p:sp>
             <p:nvSpPr>
               <p:cNvPr id="62" name="TextBox 61">
@@ -6768,8 +6769,8 @@
           </p:sp>
         </mc:Fallback>
       </mc:AlternateContent>
-      <mc:AlternateContent xmlns:mc="http://schemas.openxmlformats.org/markup-compatibility/2006">
-        <mc:Choice xmlns:a14="http://schemas.microsoft.com/office/drawing/2010/main" Requires="a14">
+      <mc:AlternateContent xmlns:mc="http://schemas.openxmlformats.org/markup-compatibility/2006" xmlns:a14="http://schemas.microsoft.com/office/drawing/2010/main">
+        <mc:Choice Requires="a14">
           <p:sp>
             <p:nvSpPr>
               <p:cNvPr id="63" name="TextBox 62">
@@ -6819,7 +6820,7 @@
             </p:txBody>
           </p:sp>
         </mc:Choice>
-        <mc:Fallback>
+        <mc:Fallback xmlns="">
           <p:sp>
             <p:nvSpPr>
               <p:cNvPr id="63" name="TextBox 62">
@@ -6960,8 +6961,8 @@
           </a:p>
         </p:txBody>
       </p:sp>
-      <mc:AlternateContent xmlns:mc="http://schemas.openxmlformats.org/markup-compatibility/2006">
-        <mc:Choice xmlns:a14="http://schemas.microsoft.com/office/drawing/2010/main" Requires="a14">
+      <mc:AlternateContent xmlns:mc="http://schemas.openxmlformats.org/markup-compatibility/2006" xmlns:a14="http://schemas.microsoft.com/office/drawing/2010/main">
+        <mc:Choice Requires="a14">
           <p:sp>
             <p:nvSpPr>
               <p:cNvPr id="66" name="TextBox 65">
@@ -7011,7 +7012,7 @@
             </p:txBody>
           </p:sp>
         </mc:Choice>
-        <mc:Fallback>
+        <mc:Fallback xmlns="">
           <p:sp>
             <p:nvSpPr>
               <p:cNvPr id="66" name="TextBox 65">
@@ -7056,8 +7057,8 @@
           </p:sp>
         </mc:Fallback>
       </mc:AlternateContent>
-      <mc:AlternateContent xmlns:mc="http://schemas.openxmlformats.org/markup-compatibility/2006">
-        <mc:Choice xmlns:a14="http://schemas.microsoft.com/office/drawing/2010/main" Requires="a14">
+      <mc:AlternateContent xmlns:mc="http://schemas.openxmlformats.org/markup-compatibility/2006" xmlns:a14="http://schemas.microsoft.com/office/drawing/2010/main">
+        <mc:Choice Requires="a14">
           <p:sp>
             <p:nvSpPr>
               <p:cNvPr id="67" name="TextBox 66">
@@ -7107,7 +7108,7 @@
             </p:txBody>
           </p:sp>
         </mc:Choice>
-        <mc:Fallback>
+        <mc:Fallback xmlns="">
           <p:sp>
             <p:nvSpPr>
               <p:cNvPr id="67" name="TextBox 66">
@@ -7156,6 +7157,2073 @@
     <p:extLst>
       <p:ext uri="{BB962C8B-B14F-4D97-AF65-F5344CB8AC3E}">
         <p14:creationId xmlns:p14="http://schemas.microsoft.com/office/powerpoint/2010/main" val="2737455102"/>
+      </p:ext>
+    </p:extLst>
+  </p:cSld>
+  <p:clrMapOvr>
+    <a:masterClrMapping/>
+  </p:clrMapOvr>
+</p:sld>
+</file>
+
+<file path=ppt/slides/slide2.xml><?xml version="1.0" encoding="utf-8"?>
+<p:sld xmlns:a="http://schemas.openxmlformats.org/drawingml/2006/main" xmlns:r="http://schemas.openxmlformats.org/officeDocument/2006/relationships" xmlns:p="http://schemas.openxmlformats.org/presentationml/2006/main">
+  <p:cSld>
+    <p:spTree>
+      <p:nvGrpSpPr>
+        <p:cNvPr id="1" name=""/>
+        <p:cNvGrpSpPr/>
+        <p:nvPr/>
+      </p:nvGrpSpPr>
+      <p:grpSpPr>
+        <a:xfrm>
+          <a:off x="0" y="0"/>
+          <a:ext cx="0" cy="0"/>
+          <a:chOff x="0" y="0"/>
+          <a:chExt cx="0" cy="0"/>
+        </a:xfrm>
+      </p:grpSpPr>
+      <p:cxnSp>
+        <p:nvCxnSpPr>
+          <p:cNvPr id="26" name="Straight Connector 25">
+            <a:extLst>
+              <a:ext uri="{FF2B5EF4-FFF2-40B4-BE49-F238E27FC236}">
+                <a16:creationId xmlns:a16="http://schemas.microsoft.com/office/drawing/2014/main" id="{67A4D4D4-C078-A348-89B4-1285A3CCCEB0}"/>
+              </a:ext>
+            </a:extLst>
+          </p:cNvPr>
+          <p:cNvCxnSpPr/>
+          <p:nvPr/>
+        </p:nvCxnSpPr>
+        <p:spPr>
+          <a:xfrm>
+            <a:off x="3314931" y="1285447"/>
+            <a:ext cx="4320000" cy="0"/>
+          </a:xfrm>
+          <a:prstGeom prst="line">
+            <a:avLst/>
+          </a:prstGeom>
+          <a:ln w="28575">
+            <a:solidFill>
+              <a:schemeClr val="tx1"/>
+            </a:solidFill>
+          </a:ln>
+        </p:spPr>
+        <p:style>
+          <a:lnRef idx="1">
+            <a:schemeClr val="accent1"/>
+          </a:lnRef>
+          <a:fillRef idx="0">
+            <a:schemeClr val="accent1"/>
+          </a:fillRef>
+          <a:effectRef idx="0">
+            <a:schemeClr val="accent1"/>
+          </a:effectRef>
+          <a:fontRef idx="minor">
+            <a:schemeClr val="tx1"/>
+          </a:fontRef>
+        </p:style>
+      </p:cxnSp>
+      <p:sp>
+        <p:nvSpPr>
+          <p:cNvPr id="2" name="TextBox 1">
+            <a:extLst>
+              <a:ext uri="{FF2B5EF4-FFF2-40B4-BE49-F238E27FC236}">
+                <a16:creationId xmlns:a16="http://schemas.microsoft.com/office/drawing/2014/main" id="{5C1548BD-C6F3-A741-A514-44DF0902C5EC}"/>
+              </a:ext>
+            </a:extLst>
+          </p:cNvPr>
+          <p:cNvSpPr txBox="1"/>
+          <p:nvPr/>
+        </p:nvSpPr>
+        <p:spPr>
+          <a:xfrm>
+            <a:off x="1270660" y="1116281"/>
+            <a:ext cx="1231427" cy="369332"/>
+          </a:xfrm>
+          <a:prstGeom prst="rect">
+            <a:avLst/>
+          </a:prstGeom>
+          <a:noFill/>
+        </p:spPr>
+        <p:txBody>
+          <a:bodyPr wrap="none" rtlCol="0">
+            <a:spAutoFit/>
+          </a:bodyPr>
+          <a:lstStyle/>
+          <a:p>
+            <a:r>
+              <a:rPr lang="en-CN" dirty="0"/>
+              <a:t>Spin Chain</a:t>
+            </a:r>
+          </a:p>
+        </p:txBody>
+      </p:sp>
+      <p:sp>
+        <p:nvSpPr>
+          <p:cNvPr id="3" name="TextBox 2">
+            <a:extLst>
+              <a:ext uri="{FF2B5EF4-FFF2-40B4-BE49-F238E27FC236}">
+                <a16:creationId xmlns:a16="http://schemas.microsoft.com/office/drawing/2014/main" id="{C49B9C96-5032-E949-82C0-E220A2F23C96}"/>
+              </a:ext>
+            </a:extLst>
+          </p:cNvPr>
+          <p:cNvSpPr txBox="1"/>
+          <p:nvPr/>
+        </p:nvSpPr>
+        <p:spPr>
+          <a:xfrm>
+            <a:off x="873114" y="1903308"/>
+            <a:ext cx="2026517" cy="369332"/>
+          </a:xfrm>
+          <a:prstGeom prst="rect">
+            <a:avLst/>
+          </a:prstGeom>
+          <a:noFill/>
+        </p:spPr>
+        <p:txBody>
+          <a:bodyPr wrap="none" rtlCol="0">
+            <a:spAutoFit/>
+          </a:bodyPr>
+          <a:lstStyle/>
+          <a:p>
+            <a:r>
+              <a:rPr lang="en-CN" dirty="0"/>
+              <a:t>Majorana Fermions</a:t>
+            </a:r>
+          </a:p>
+        </p:txBody>
+      </p:sp>
+      <p:sp>
+        <p:nvSpPr>
+          <p:cNvPr id="4" name="TextBox 3">
+            <a:extLst>
+              <a:ext uri="{FF2B5EF4-FFF2-40B4-BE49-F238E27FC236}">
+                <a16:creationId xmlns:a16="http://schemas.microsoft.com/office/drawing/2014/main" id="{F1E6C245-31C3-0B49-8AE5-52806DF9FA6C}"/>
+              </a:ext>
+            </a:extLst>
+          </p:cNvPr>
+          <p:cNvSpPr txBox="1"/>
+          <p:nvPr/>
+        </p:nvSpPr>
+        <p:spPr>
+          <a:xfrm>
+            <a:off x="1030208" y="2690335"/>
+            <a:ext cx="1712328" cy="369332"/>
+          </a:xfrm>
+          <a:prstGeom prst="rect">
+            <a:avLst/>
+          </a:prstGeom>
+          <a:noFill/>
+        </p:spPr>
+        <p:txBody>
+          <a:bodyPr wrap="none" rtlCol="0">
+            <a:spAutoFit/>
+          </a:bodyPr>
+          <a:lstStyle/>
+          <a:p>
+            <a:r>
+              <a:rPr lang="en-CN" dirty="0"/>
+              <a:t>Kramers Duality</a:t>
+            </a:r>
+          </a:p>
+        </p:txBody>
+      </p:sp>
+      <p:grpSp>
+        <p:nvGrpSpPr>
+          <p:cNvPr id="27" name="Group 26">
+            <a:extLst>
+              <a:ext uri="{FF2B5EF4-FFF2-40B4-BE49-F238E27FC236}">
+                <a16:creationId xmlns:a16="http://schemas.microsoft.com/office/drawing/2014/main" id="{1989D1B5-87E9-FD4A-B7F8-D75681D139AE}"/>
+              </a:ext>
+            </a:extLst>
+          </p:cNvPr>
+          <p:cNvGrpSpPr/>
+          <p:nvPr/>
+        </p:nvGrpSpPr>
+        <p:grpSpPr>
+          <a:xfrm>
+            <a:off x="3548160" y="1053613"/>
+            <a:ext cx="3813754" cy="432000"/>
+            <a:chOff x="3548160" y="1053613"/>
+            <a:chExt cx="3813754" cy="432000"/>
+          </a:xfrm>
+        </p:grpSpPr>
+        <p:grpSp>
+          <p:nvGrpSpPr>
+            <p:cNvPr id="8" name="Group 7">
+              <a:extLst>
+                <a:ext uri="{FF2B5EF4-FFF2-40B4-BE49-F238E27FC236}">
+                  <a16:creationId xmlns:a16="http://schemas.microsoft.com/office/drawing/2014/main" id="{0D1EBA5E-5B66-9346-842D-1FC1FD666448}"/>
+                </a:ext>
+              </a:extLst>
+            </p:cNvPr>
+            <p:cNvGrpSpPr/>
+            <p:nvPr/>
+          </p:nvGrpSpPr>
+          <p:grpSpPr>
+            <a:xfrm>
+              <a:off x="3548160" y="1053613"/>
+              <a:ext cx="213756" cy="432000"/>
+              <a:chOff x="3253839" y="1175655"/>
+              <a:chExt cx="213756" cy="432000"/>
+            </a:xfrm>
+          </p:grpSpPr>
+          <p:sp>
+            <p:nvSpPr>
+              <p:cNvPr id="5" name="Oval 4">
+                <a:extLst>
+                  <a:ext uri="{FF2B5EF4-FFF2-40B4-BE49-F238E27FC236}">
+                    <a16:creationId xmlns:a16="http://schemas.microsoft.com/office/drawing/2014/main" id="{9F43DE9E-C012-254B-8792-1837076F552F}"/>
+                  </a:ext>
+                </a:extLst>
+              </p:cNvPr>
+              <p:cNvSpPr/>
+              <p:nvPr/>
+            </p:nvSpPr>
+            <p:spPr>
+              <a:xfrm>
+                <a:off x="3253839" y="1300947"/>
+                <a:ext cx="213756" cy="213756"/>
+              </a:xfrm>
+              <a:prstGeom prst="ellipse">
+                <a:avLst/>
+              </a:prstGeom>
+            </p:spPr>
+            <p:style>
+              <a:lnRef idx="2">
+                <a:schemeClr val="accent4">
+                  <a:shade val="50000"/>
+                </a:schemeClr>
+              </a:lnRef>
+              <a:fillRef idx="1">
+                <a:schemeClr val="accent4"/>
+              </a:fillRef>
+              <a:effectRef idx="0">
+                <a:schemeClr val="accent4"/>
+              </a:effectRef>
+              <a:fontRef idx="minor">
+                <a:schemeClr val="lt1"/>
+              </a:fontRef>
+            </p:style>
+            <p:txBody>
+              <a:bodyPr rtlCol="0" anchor="ctr"/>
+              <a:lstStyle/>
+              <a:p>
+                <a:pPr algn="ctr"/>
+                <a:endParaRPr lang="en-CN"/>
+              </a:p>
+            </p:txBody>
+          </p:sp>
+          <p:cxnSp>
+            <p:nvCxnSpPr>
+              <p:cNvPr id="7" name="Straight Arrow Connector 6">
+                <a:extLst>
+                  <a:ext uri="{FF2B5EF4-FFF2-40B4-BE49-F238E27FC236}">
+                    <a16:creationId xmlns:a16="http://schemas.microsoft.com/office/drawing/2014/main" id="{FB57FE8D-8D36-C54D-A84B-4049107A1763}"/>
+                  </a:ext>
+                </a:extLst>
+              </p:cNvPr>
+              <p:cNvCxnSpPr>
+                <a:cxnSpLocks/>
+              </p:cNvCxnSpPr>
+              <p:nvPr/>
+            </p:nvCxnSpPr>
+            <p:spPr>
+              <a:xfrm flipV="1">
+                <a:off x="3360717" y="1175655"/>
+                <a:ext cx="0" cy="432000"/>
+              </a:xfrm>
+              <a:prstGeom prst="straightConnector1">
+                <a:avLst/>
+              </a:prstGeom>
+              <a:ln w="28575">
+                <a:solidFill>
+                  <a:schemeClr val="tx1"/>
+                </a:solidFill>
+                <a:tailEnd type="triangle"/>
+              </a:ln>
+            </p:spPr>
+            <p:style>
+              <a:lnRef idx="1">
+                <a:schemeClr val="accent1"/>
+              </a:lnRef>
+              <a:fillRef idx="0">
+                <a:schemeClr val="accent1"/>
+              </a:fillRef>
+              <a:effectRef idx="0">
+                <a:schemeClr val="accent1"/>
+              </a:effectRef>
+              <a:fontRef idx="minor">
+                <a:schemeClr val="tx1"/>
+              </a:fontRef>
+            </p:style>
+          </p:cxnSp>
+        </p:grpSp>
+        <p:grpSp>
+          <p:nvGrpSpPr>
+            <p:cNvPr id="9" name="Group 8">
+              <a:extLst>
+                <a:ext uri="{FF2B5EF4-FFF2-40B4-BE49-F238E27FC236}">
+                  <a16:creationId xmlns:a16="http://schemas.microsoft.com/office/drawing/2014/main" id="{A48B730F-0E1D-D241-ACB7-850671C0E8D9}"/>
+                </a:ext>
+              </a:extLst>
+            </p:cNvPr>
+            <p:cNvGrpSpPr/>
+            <p:nvPr/>
+          </p:nvGrpSpPr>
+          <p:grpSpPr>
+            <a:xfrm>
+              <a:off x="4988160" y="1053613"/>
+              <a:ext cx="213756" cy="432000"/>
+              <a:chOff x="3253839" y="1175655"/>
+              <a:chExt cx="213756" cy="432000"/>
+            </a:xfrm>
+          </p:grpSpPr>
+          <p:sp>
+            <p:nvSpPr>
+              <p:cNvPr id="10" name="Oval 9">
+                <a:extLst>
+                  <a:ext uri="{FF2B5EF4-FFF2-40B4-BE49-F238E27FC236}">
+                    <a16:creationId xmlns:a16="http://schemas.microsoft.com/office/drawing/2014/main" id="{C11449FF-8B6D-B240-9655-7B8F7761A9ED}"/>
+                  </a:ext>
+                </a:extLst>
+              </p:cNvPr>
+              <p:cNvSpPr/>
+              <p:nvPr/>
+            </p:nvSpPr>
+            <p:spPr>
+              <a:xfrm>
+                <a:off x="3253839" y="1300947"/>
+                <a:ext cx="213756" cy="213756"/>
+              </a:xfrm>
+              <a:prstGeom prst="ellipse">
+                <a:avLst/>
+              </a:prstGeom>
+            </p:spPr>
+            <p:style>
+              <a:lnRef idx="2">
+                <a:schemeClr val="accent4">
+                  <a:shade val="50000"/>
+                </a:schemeClr>
+              </a:lnRef>
+              <a:fillRef idx="1">
+                <a:schemeClr val="accent4"/>
+              </a:fillRef>
+              <a:effectRef idx="0">
+                <a:schemeClr val="accent4"/>
+              </a:effectRef>
+              <a:fontRef idx="minor">
+                <a:schemeClr val="lt1"/>
+              </a:fontRef>
+            </p:style>
+            <p:txBody>
+              <a:bodyPr rtlCol="0" anchor="ctr"/>
+              <a:lstStyle/>
+              <a:p>
+                <a:pPr algn="ctr"/>
+                <a:endParaRPr lang="en-CN"/>
+              </a:p>
+            </p:txBody>
+          </p:sp>
+          <p:cxnSp>
+            <p:nvCxnSpPr>
+              <p:cNvPr id="11" name="Straight Arrow Connector 10">
+                <a:extLst>
+                  <a:ext uri="{FF2B5EF4-FFF2-40B4-BE49-F238E27FC236}">
+                    <a16:creationId xmlns:a16="http://schemas.microsoft.com/office/drawing/2014/main" id="{94D9B665-1824-8543-A152-21983BE4EDC2}"/>
+                  </a:ext>
+                </a:extLst>
+              </p:cNvPr>
+              <p:cNvCxnSpPr>
+                <a:cxnSpLocks/>
+              </p:cNvCxnSpPr>
+              <p:nvPr/>
+            </p:nvCxnSpPr>
+            <p:spPr>
+              <a:xfrm flipV="1">
+                <a:off x="3360717" y="1175655"/>
+                <a:ext cx="0" cy="432000"/>
+              </a:xfrm>
+              <a:prstGeom prst="straightConnector1">
+                <a:avLst/>
+              </a:prstGeom>
+              <a:ln w="28575">
+                <a:solidFill>
+                  <a:schemeClr val="tx1"/>
+                </a:solidFill>
+                <a:headEnd type="triangle" w="med" len="med"/>
+                <a:tailEnd type="none" w="med" len="med"/>
+              </a:ln>
+            </p:spPr>
+            <p:style>
+              <a:lnRef idx="1">
+                <a:schemeClr val="accent1"/>
+              </a:lnRef>
+              <a:fillRef idx="0">
+                <a:schemeClr val="accent1"/>
+              </a:fillRef>
+              <a:effectRef idx="0">
+                <a:schemeClr val="accent1"/>
+              </a:effectRef>
+              <a:fontRef idx="minor">
+                <a:schemeClr val="tx1"/>
+              </a:fontRef>
+            </p:style>
+          </p:cxnSp>
+        </p:grpSp>
+        <p:grpSp>
+          <p:nvGrpSpPr>
+            <p:cNvPr id="12" name="Group 11">
+              <a:extLst>
+                <a:ext uri="{FF2B5EF4-FFF2-40B4-BE49-F238E27FC236}">
+                  <a16:creationId xmlns:a16="http://schemas.microsoft.com/office/drawing/2014/main" id="{D14497EE-EB58-834B-BE1A-81A413528594}"/>
+                </a:ext>
+              </a:extLst>
+            </p:cNvPr>
+            <p:cNvGrpSpPr/>
+            <p:nvPr/>
+          </p:nvGrpSpPr>
+          <p:grpSpPr>
+            <a:xfrm>
+              <a:off x="4268160" y="1053613"/>
+              <a:ext cx="213756" cy="432000"/>
+              <a:chOff x="3253839" y="1175655"/>
+              <a:chExt cx="213756" cy="432000"/>
+            </a:xfrm>
+          </p:grpSpPr>
+          <p:sp>
+            <p:nvSpPr>
+              <p:cNvPr id="13" name="Oval 12">
+                <a:extLst>
+                  <a:ext uri="{FF2B5EF4-FFF2-40B4-BE49-F238E27FC236}">
+                    <a16:creationId xmlns:a16="http://schemas.microsoft.com/office/drawing/2014/main" id="{A841FEA4-18F4-E84B-B178-1834D9D6A32D}"/>
+                  </a:ext>
+                </a:extLst>
+              </p:cNvPr>
+              <p:cNvSpPr/>
+              <p:nvPr/>
+            </p:nvSpPr>
+            <p:spPr>
+              <a:xfrm>
+                <a:off x="3253839" y="1300947"/>
+                <a:ext cx="213756" cy="213756"/>
+              </a:xfrm>
+              <a:prstGeom prst="ellipse">
+                <a:avLst/>
+              </a:prstGeom>
+            </p:spPr>
+            <p:style>
+              <a:lnRef idx="2">
+                <a:schemeClr val="accent4">
+                  <a:shade val="50000"/>
+                </a:schemeClr>
+              </a:lnRef>
+              <a:fillRef idx="1">
+                <a:schemeClr val="accent4"/>
+              </a:fillRef>
+              <a:effectRef idx="0">
+                <a:schemeClr val="accent4"/>
+              </a:effectRef>
+              <a:fontRef idx="minor">
+                <a:schemeClr val="lt1"/>
+              </a:fontRef>
+            </p:style>
+            <p:txBody>
+              <a:bodyPr rtlCol="0" anchor="ctr"/>
+              <a:lstStyle/>
+              <a:p>
+                <a:pPr algn="ctr"/>
+                <a:endParaRPr lang="en-CN"/>
+              </a:p>
+            </p:txBody>
+          </p:sp>
+          <p:cxnSp>
+            <p:nvCxnSpPr>
+              <p:cNvPr id="14" name="Straight Arrow Connector 13">
+                <a:extLst>
+                  <a:ext uri="{FF2B5EF4-FFF2-40B4-BE49-F238E27FC236}">
+                    <a16:creationId xmlns:a16="http://schemas.microsoft.com/office/drawing/2014/main" id="{B459290F-9B76-A540-A1F3-6DC120A1DD4A}"/>
+                  </a:ext>
+                </a:extLst>
+              </p:cNvPr>
+              <p:cNvCxnSpPr>
+                <a:cxnSpLocks/>
+              </p:cNvCxnSpPr>
+              <p:nvPr/>
+            </p:nvCxnSpPr>
+            <p:spPr>
+              <a:xfrm flipV="1">
+                <a:off x="3360717" y="1175655"/>
+                <a:ext cx="0" cy="432000"/>
+              </a:xfrm>
+              <a:prstGeom prst="straightConnector1">
+                <a:avLst/>
+              </a:prstGeom>
+              <a:ln w="28575">
+                <a:solidFill>
+                  <a:schemeClr val="tx1"/>
+                </a:solidFill>
+                <a:tailEnd type="triangle"/>
+              </a:ln>
+            </p:spPr>
+            <p:style>
+              <a:lnRef idx="1">
+                <a:schemeClr val="accent1"/>
+              </a:lnRef>
+              <a:fillRef idx="0">
+                <a:schemeClr val="accent1"/>
+              </a:fillRef>
+              <a:effectRef idx="0">
+                <a:schemeClr val="accent1"/>
+              </a:effectRef>
+              <a:fontRef idx="minor">
+                <a:schemeClr val="tx1"/>
+              </a:fontRef>
+            </p:style>
+          </p:cxnSp>
+        </p:grpSp>
+        <p:grpSp>
+          <p:nvGrpSpPr>
+            <p:cNvPr id="15" name="Group 14">
+              <a:extLst>
+                <a:ext uri="{FF2B5EF4-FFF2-40B4-BE49-F238E27FC236}">
+                  <a16:creationId xmlns:a16="http://schemas.microsoft.com/office/drawing/2014/main" id="{B84654C0-B80E-774E-B116-19864BB089C8}"/>
+                </a:ext>
+              </a:extLst>
+            </p:cNvPr>
+            <p:cNvGrpSpPr/>
+            <p:nvPr/>
+          </p:nvGrpSpPr>
+          <p:grpSpPr>
+            <a:xfrm>
+              <a:off x="5708160" y="1053613"/>
+              <a:ext cx="213756" cy="432000"/>
+              <a:chOff x="3253839" y="1175655"/>
+              <a:chExt cx="213756" cy="432000"/>
+            </a:xfrm>
+          </p:grpSpPr>
+          <p:sp>
+            <p:nvSpPr>
+              <p:cNvPr id="16" name="Oval 15">
+                <a:extLst>
+                  <a:ext uri="{FF2B5EF4-FFF2-40B4-BE49-F238E27FC236}">
+                    <a16:creationId xmlns:a16="http://schemas.microsoft.com/office/drawing/2014/main" id="{F8A09601-9205-B04D-8DA6-3D997C3E514C}"/>
+                  </a:ext>
+                </a:extLst>
+              </p:cNvPr>
+              <p:cNvSpPr/>
+              <p:nvPr/>
+            </p:nvSpPr>
+            <p:spPr>
+              <a:xfrm>
+                <a:off x="3253839" y="1300947"/>
+                <a:ext cx="213756" cy="213756"/>
+              </a:xfrm>
+              <a:prstGeom prst="ellipse">
+                <a:avLst/>
+              </a:prstGeom>
+            </p:spPr>
+            <p:style>
+              <a:lnRef idx="2">
+                <a:schemeClr val="accent4">
+                  <a:shade val="50000"/>
+                </a:schemeClr>
+              </a:lnRef>
+              <a:fillRef idx="1">
+                <a:schemeClr val="accent4"/>
+              </a:fillRef>
+              <a:effectRef idx="0">
+                <a:schemeClr val="accent4"/>
+              </a:effectRef>
+              <a:fontRef idx="minor">
+                <a:schemeClr val="lt1"/>
+              </a:fontRef>
+            </p:style>
+            <p:txBody>
+              <a:bodyPr rtlCol="0" anchor="ctr"/>
+              <a:lstStyle/>
+              <a:p>
+                <a:pPr algn="ctr"/>
+                <a:endParaRPr lang="en-CN"/>
+              </a:p>
+            </p:txBody>
+          </p:sp>
+          <p:cxnSp>
+            <p:nvCxnSpPr>
+              <p:cNvPr id="17" name="Straight Arrow Connector 16">
+                <a:extLst>
+                  <a:ext uri="{FF2B5EF4-FFF2-40B4-BE49-F238E27FC236}">
+                    <a16:creationId xmlns:a16="http://schemas.microsoft.com/office/drawing/2014/main" id="{F8165184-3AE0-A54C-A69B-339AC731AFF8}"/>
+                  </a:ext>
+                </a:extLst>
+              </p:cNvPr>
+              <p:cNvCxnSpPr>
+                <a:cxnSpLocks/>
+              </p:cNvCxnSpPr>
+              <p:nvPr/>
+            </p:nvCxnSpPr>
+            <p:spPr>
+              <a:xfrm flipV="1">
+                <a:off x="3360717" y="1175655"/>
+                <a:ext cx="0" cy="432000"/>
+              </a:xfrm>
+              <a:prstGeom prst="straightConnector1">
+                <a:avLst/>
+              </a:prstGeom>
+              <a:ln w="28575">
+                <a:solidFill>
+                  <a:schemeClr val="tx1"/>
+                </a:solidFill>
+                <a:headEnd type="triangle" w="med" len="med"/>
+                <a:tailEnd type="none" w="med" len="med"/>
+              </a:ln>
+            </p:spPr>
+            <p:style>
+              <a:lnRef idx="1">
+                <a:schemeClr val="accent1"/>
+              </a:lnRef>
+              <a:fillRef idx="0">
+                <a:schemeClr val="accent1"/>
+              </a:fillRef>
+              <a:effectRef idx="0">
+                <a:schemeClr val="accent1"/>
+              </a:effectRef>
+              <a:fontRef idx="minor">
+                <a:schemeClr val="tx1"/>
+              </a:fontRef>
+            </p:style>
+          </p:cxnSp>
+        </p:grpSp>
+        <p:grpSp>
+          <p:nvGrpSpPr>
+            <p:cNvPr id="18" name="Group 17">
+              <a:extLst>
+                <a:ext uri="{FF2B5EF4-FFF2-40B4-BE49-F238E27FC236}">
+                  <a16:creationId xmlns:a16="http://schemas.microsoft.com/office/drawing/2014/main" id="{8C7BEC4B-B983-2F43-9AC2-D77A2478615E}"/>
+                </a:ext>
+              </a:extLst>
+            </p:cNvPr>
+            <p:cNvGrpSpPr/>
+            <p:nvPr/>
+          </p:nvGrpSpPr>
+          <p:grpSpPr>
+            <a:xfrm>
+              <a:off x="6428159" y="1053613"/>
+              <a:ext cx="213756" cy="432000"/>
+              <a:chOff x="3253839" y="1175655"/>
+              <a:chExt cx="213756" cy="432000"/>
+            </a:xfrm>
+          </p:grpSpPr>
+          <p:sp>
+            <p:nvSpPr>
+              <p:cNvPr id="19" name="Oval 18">
+                <a:extLst>
+                  <a:ext uri="{FF2B5EF4-FFF2-40B4-BE49-F238E27FC236}">
+                    <a16:creationId xmlns:a16="http://schemas.microsoft.com/office/drawing/2014/main" id="{20C5B306-4E3E-614E-B90E-DD77EAB9DFE5}"/>
+                  </a:ext>
+                </a:extLst>
+              </p:cNvPr>
+              <p:cNvSpPr/>
+              <p:nvPr/>
+            </p:nvSpPr>
+            <p:spPr>
+              <a:xfrm>
+                <a:off x="3253839" y="1300947"/>
+                <a:ext cx="213756" cy="213756"/>
+              </a:xfrm>
+              <a:prstGeom prst="ellipse">
+                <a:avLst/>
+              </a:prstGeom>
+            </p:spPr>
+            <p:style>
+              <a:lnRef idx="2">
+                <a:schemeClr val="accent4">
+                  <a:shade val="50000"/>
+                </a:schemeClr>
+              </a:lnRef>
+              <a:fillRef idx="1">
+                <a:schemeClr val="accent4"/>
+              </a:fillRef>
+              <a:effectRef idx="0">
+                <a:schemeClr val="accent4"/>
+              </a:effectRef>
+              <a:fontRef idx="minor">
+                <a:schemeClr val="lt1"/>
+              </a:fontRef>
+            </p:style>
+            <p:txBody>
+              <a:bodyPr rtlCol="0" anchor="ctr"/>
+              <a:lstStyle/>
+              <a:p>
+                <a:pPr algn="ctr"/>
+                <a:endParaRPr lang="en-CN"/>
+              </a:p>
+            </p:txBody>
+          </p:sp>
+          <p:cxnSp>
+            <p:nvCxnSpPr>
+              <p:cNvPr id="20" name="Straight Arrow Connector 19">
+                <a:extLst>
+                  <a:ext uri="{FF2B5EF4-FFF2-40B4-BE49-F238E27FC236}">
+                    <a16:creationId xmlns:a16="http://schemas.microsoft.com/office/drawing/2014/main" id="{67BD59E6-9C2F-074D-B533-16E6088B5499}"/>
+                  </a:ext>
+                </a:extLst>
+              </p:cNvPr>
+              <p:cNvCxnSpPr>
+                <a:cxnSpLocks/>
+              </p:cNvCxnSpPr>
+              <p:nvPr/>
+            </p:nvCxnSpPr>
+            <p:spPr>
+              <a:xfrm flipV="1">
+                <a:off x="3360717" y="1175655"/>
+                <a:ext cx="0" cy="432000"/>
+              </a:xfrm>
+              <a:prstGeom prst="straightConnector1">
+                <a:avLst/>
+              </a:prstGeom>
+              <a:ln w="28575">
+                <a:solidFill>
+                  <a:schemeClr val="tx1"/>
+                </a:solidFill>
+                <a:tailEnd type="triangle"/>
+              </a:ln>
+            </p:spPr>
+            <p:style>
+              <a:lnRef idx="1">
+                <a:schemeClr val="accent1"/>
+              </a:lnRef>
+              <a:fillRef idx="0">
+                <a:schemeClr val="accent1"/>
+              </a:fillRef>
+              <a:effectRef idx="0">
+                <a:schemeClr val="accent1"/>
+              </a:effectRef>
+              <a:fontRef idx="minor">
+                <a:schemeClr val="tx1"/>
+              </a:fontRef>
+            </p:style>
+          </p:cxnSp>
+        </p:grpSp>
+        <p:grpSp>
+          <p:nvGrpSpPr>
+            <p:cNvPr id="21" name="Group 20">
+              <a:extLst>
+                <a:ext uri="{FF2B5EF4-FFF2-40B4-BE49-F238E27FC236}">
+                  <a16:creationId xmlns:a16="http://schemas.microsoft.com/office/drawing/2014/main" id="{E72D444B-9EE6-E548-8958-6550E8EE38AD}"/>
+                </a:ext>
+              </a:extLst>
+            </p:cNvPr>
+            <p:cNvGrpSpPr/>
+            <p:nvPr/>
+          </p:nvGrpSpPr>
+          <p:grpSpPr>
+            <a:xfrm>
+              <a:off x="7148158" y="1053613"/>
+              <a:ext cx="213756" cy="432000"/>
+              <a:chOff x="3253839" y="1175655"/>
+              <a:chExt cx="213756" cy="432000"/>
+            </a:xfrm>
+          </p:grpSpPr>
+          <p:sp>
+            <p:nvSpPr>
+              <p:cNvPr id="22" name="Oval 21">
+                <a:extLst>
+                  <a:ext uri="{FF2B5EF4-FFF2-40B4-BE49-F238E27FC236}">
+                    <a16:creationId xmlns:a16="http://schemas.microsoft.com/office/drawing/2014/main" id="{2AC7EEF6-9CAF-614A-ACB2-031E25782DA7}"/>
+                  </a:ext>
+                </a:extLst>
+              </p:cNvPr>
+              <p:cNvSpPr/>
+              <p:nvPr/>
+            </p:nvSpPr>
+            <p:spPr>
+              <a:xfrm>
+                <a:off x="3253839" y="1300947"/>
+                <a:ext cx="213756" cy="213756"/>
+              </a:xfrm>
+              <a:prstGeom prst="ellipse">
+                <a:avLst/>
+              </a:prstGeom>
+            </p:spPr>
+            <p:style>
+              <a:lnRef idx="2">
+                <a:schemeClr val="accent4">
+                  <a:shade val="50000"/>
+                </a:schemeClr>
+              </a:lnRef>
+              <a:fillRef idx="1">
+                <a:schemeClr val="accent4"/>
+              </a:fillRef>
+              <a:effectRef idx="0">
+                <a:schemeClr val="accent4"/>
+              </a:effectRef>
+              <a:fontRef idx="minor">
+                <a:schemeClr val="lt1"/>
+              </a:fontRef>
+            </p:style>
+            <p:txBody>
+              <a:bodyPr rtlCol="0" anchor="ctr"/>
+              <a:lstStyle/>
+              <a:p>
+                <a:pPr algn="ctr"/>
+                <a:endParaRPr lang="en-CN"/>
+              </a:p>
+            </p:txBody>
+          </p:sp>
+          <p:cxnSp>
+            <p:nvCxnSpPr>
+              <p:cNvPr id="23" name="Straight Arrow Connector 22">
+                <a:extLst>
+                  <a:ext uri="{FF2B5EF4-FFF2-40B4-BE49-F238E27FC236}">
+                    <a16:creationId xmlns:a16="http://schemas.microsoft.com/office/drawing/2014/main" id="{891683C8-F202-1D41-8F8F-1AF9E0DFC7CE}"/>
+                  </a:ext>
+                </a:extLst>
+              </p:cNvPr>
+              <p:cNvCxnSpPr>
+                <a:cxnSpLocks/>
+              </p:cNvCxnSpPr>
+              <p:nvPr/>
+            </p:nvCxnSpPr>
+            <p:spPr>
+              <a:xfrm flipV="1">
+                <a:off x="3360717" y="1175655"/>
+                <a:ext cx="0" cy="432000"/>
+              </a:xfrm>
+              <a:prstGeom prst="straightConnector1">
+                <a:avLst/>
+              </a:prstGeom>
+              <a:ln w="28575">
+                <a:solidFill>
+                  <a:schemeClr val="tx1"/>
+                </a:solidFill>
+                <a:tailEnd type="triangle"/>
+              </a:ln>
+            </p:spPr>
+            <p:style>
+              <a:lnRef idx="1">
+                <a:schemeClr val="accent1"/>
+              </a:lnRef>
+              <a:fillRef idx="0">
+                <a:schemeClr val="accent1"/>
+              </a:fillRef>
+              <a:effectRef idx="0">
+                <a:schemeClr val="accent1"/>
+              </a:effectRef>
+              <a:fontRef idx="minor">
+                <a:schemeClr val="tx1"/>
+              </a:fontRef>
+            </p:style>
+          </p:cxnSp>
+        </p:grpSp>
+      </p:grpSp>
+      <p:sp>
+        <p:nvSpPr>
+          <p:cNvPr id="24" name="TextBox 23">
+            <a:extLst>
+              <a:ext uri="{FF2B5EF4-FFF2-40B4-BE49-F238E27FC236}">
+                <a16:creationId xmlns:a16="http://schemas.microsoft.com/office/drawing/2014/main" id="{4C1C3FED-3455-A143-B942-F793213A2F07}"/>
+              </a:ext>
+            </a:extLst>
+          </p:cNvPr>
+          <p:cNvSpPr txBox="1"/>
+          <p:nvPr/>
+        </p:nvSpPr>
+        <p:spPr>
+          <a:xfrm>
+            <a:off x="1131197" y="3477362"/>
+            <a:ext cx="1510350" cy="369332"/>
+          </a:xfrm>
+          <a:prstGeom prst="rect">
+            <a:avLst/>
+          </a:prstGeom>
+          <a:noFill/>
+        </p:spPr>
+        <p:txBody>
+          <a:bodyPr wrap="none" rtlCol="0">
+            <a:spAutoFit/>
+          </a:bodyPr>
+          <a:lstStyle/>
+          <a:p>
+            <a:r>
+              <a:rPr lang="en-CN" dirty="0"/>
+              <a:t>Domain Walls</a:t>
+            </a:r>
+          </a:p>
+        </p:txBody>
+      </p:sp>
+      <p:cxnSp>
+        <p:nvCxnSpPr>
+          <p:cNvPr id="28" name="Straight Connector 27">
+            <a:extLst>
+              <a:ext uri="{FF2B5EF4-FFF2-40B4-BE49-F238E27FC236}">
+                <a16:creationId xmlns:a16="http://schemas.microsoft.com/office/drawing/2014/main" id="{1F4F0754-4BA5-3244-8797-742E941CB751}"/>
+              </a:ext>
+            </a:extLst>
+          </p:cNvPr>
+          <p:cNvCxnSpPr/>
+          <p:nvPr/>
+        </p:nvCxnSpPr>
+        <p:spPr>
+          <a:xfrm>
+            <a:off x="3302010" y="3660834"/>
+            <a:ext cx="4320000" cy="0"/>
+          </a:xfrm>
+          <a:prstGeom prst="line">
+            <a:avLst/>
+          </a:prstGeom>
+          <a:ln w="28575">
+            <a:solidFill>
+              <a:schemeClr val="tx1"/>
+            </a:solidFill>
+          </a:ln>
+        </p:spPr>
+        <p:style>
+          <a:lnRef idx="1">
+            <a:schemeClr val="accent1"/>
+          </a:lnRef>
+          <a:fillRef idx="0">
+            <a:schemeClr val="accent1"/>
+          </a:fillRef>
+          <a:effectRef idx="0">
+            <a:schemeClr val="accent1"/>
+          </a:effectRef>
+          <a:fontRef idx="minor">
+            <a:schemeClr val="tx1"/>
+          </a:fontRef>
+        </p:style>
+      </p:cxnSp>
+      <p:grpSp>
+        <p:nvGrpSpPr>
+          <p:cNvPr id="29" name="Group 28">
+            <a:extLst>
+              <a:ext uri="{FF2B5EF4-FFF2-40B4-BE49-F238E27FC236}">
+                <a16:creationId xmlns:a16="http://schemas.microsoft.com/office/drawing/2014/main" id="{E51BC0FE-A6FE-3F4E-B1E4-F0CE181D882E}"/>
+              </a:ext>
+            </a:extLst>
+          </p:cNvPr>
+          <p:cNvGrpSpPr/>
+          <p:nvPr/>
+        </p:nvGrpSpPr>
+        <p:grpSpPr>
+          <a:xfrm>
+            <a:off x="3535239" y="3429000"/>
+            <a:ext cx="3813754" cy="432000"/>
+            <a:chOff x="3548160" y="1053613"/>
+            <a:chExt cx="3813754" cy="432000"/>
+          </a:xfrm>
+          <a:solidFill>
+            <a:schemeClr val="accent4">
+              <a:alpha val="20000"/>
+            </a:schemeClr>
+          </a:solidFill>
+        </p:grpSpPr>
+        <p:grpSp>
+          <p:nvGrpSpPr>
+            <p:cNvPr id="30" name="Group 29">
+              <a:extLst>
+                <a:ext uri="{FF2B5EF4-FFF2-40B4-BE49-F238E27FC236}">
+                  <a16:creationId xmlns:a16="http://schemas.microsoft.com/office/drawing/2014/main" id="{99C1F7AA-FABB-EB4E-B517-923117A42C51}"/>
+                </a:ext>
+              </a:extLst>
+            </p:cNvPr>
+            <p:cNvGrpSpPr/>
+            <p:nvPr/>
+          </p:nvGrpSpPr>
+          <p:grpSpPr>
+            <a:xfrm>
+              <a:off x="3548160" y="1053613"/>
+              <a:ext cx="213756" cy="432000"/>
+              <a:chOff x="3253839" y="1175655"/>
+              <a:chExt cx="213756" cy="432000"/>
+            </a:xfrm>
+            <a:grpFill/>
+          </p:grpSpPr>
+          <p:sp>
+            <p:nvSpPr>
+              <p:cNvPr id="46" name="Oval 45">
+                <a:extLst>
+                  <a:ext uri="{FF2B5EF4-FFF2-40B4-BE49-F238E27FC236}">
+                    <a16:creationId xmlns:a16="http://schemas.microsoft.com/office/drawing/2014/main" id="{C795E7F5-476F-814E-BBD9-E2A5DBE1AA77}"/>
+                  </a:ext>
+                </a:extLst>
+              </p:cNvPr>
+              <p:cNvSpPr/>
+              <p:nvPr/>
+            </p:nvSpPr>
+            <p:spPr>
+              <a:xfrm>
+                <a:off x="3253839" y="1300947"/>
+                <a:ext cx="213756" cy="213756"/>
+              </a:xfrm>
+              <a:prstGeom prst="ellipse">
+                <a:avLst/>
+              </a:prstGeom>
+              <a:grpFill/>
+              <a:ln>
+                <a:solidFill>
+                  <a:schemeClr val="tx1">
+                    <a:alpha val="20000"/>
+                  </a:schemeClr>
+                </a:solidFill>
+              </a:ln>
+            </p:spPr>
+            <p:style>
+              <a:lnRef idx="2">
+                <a:schemeClr val="accent4">
+                  <a:shade val="50000"/>
+                </a:schemeClr>
+              </a:lnRef>
+              <a:fillRef idx="1">
+                <a:schemeClr val="accent4"/>
+              </a:fillRef>
+              <a:effectRef idx="0">
+                <a:schemeClr val="accent4"/>
+              </a:effectRef>
+              <a:fontRef idx="minor">
+                <a:schemeClr val="lt1"/>
+              </a:fontRef>
+            </p:style>
+            <p:txBody>
+              <a:bodyPr rtlCol="0" anchor="ctr"/>
+              <a:lstStyle/>
+              <a:p>
+                <a:pPr algn="ctr"/>
+                <a:endParaRPr lang="en-CN"/>
+              </a:p>
+            </p:txBody>
+          </p:sp>
+          <p:cxnSp>
+            <p:nvCxnSpPr>
+              <p:cNvPr id="47" name="Straight Arrow Connector 46">
+                <a:extLst>
+                  <a:ext uri="{FF2B5EF4-FFF2-40B4-BE49-F238E27FC236}">
+                    <a16:creationId xmlns:a16="http://schemas.microsoft.com/office/drawing/2014/main" id="{861EE64A-0A6A-7540-B429-0DEFED3E34B5}"/>
+                  </a:ext>
+                </a:extLst>
+              </p:cNvPr>
+              <p:cNvCxnSpPr>
+                <a:cxnSpLocks/>
+              </p:cNvCxnSpPr>
+              <p:nvPr/>
+            </p:nvCxnSpPr>
+            <p:spPr>
+              <a:xfrm flipV="1">
+                <a:off x="3360717" y="1175655"/>
+                <a:ext cx="0" cy="432000"/>
+              </a:xfrm>
+              <a:prstGeom prst="straightConnector1">
+                <a:avLst/>
+              </a:prstGeom>
+              <a:grpFill/>
+              <a:ln w="28575">
+                <a:solidFill>
+                  <a:schemeClr val="tx1">
+                    <a:alpha val="20000"/>
+                  </a:schemeClr>
+                </a:solidFill>
+                <a:tailEnd type="triangle"/>
+              </a:ln>
+            </p:spPr>
+            <p:style>
+              <a:lnRef idx="1">
+                <a:schemeClr val="accent1"/>
+              </a:lnRef>
+              <a:fillRef idx="0">
+                <a:schemeClr val="accent1"/>
+              </a:fillRef>
+              <a:effectRef idx="0">
+                <a:schemeClr val="accent1"/>
+              </a:effectRef>
+              <a:fontRef idx="minor">
+                <a:schemeClr val="tx1"/>
+              </a:fontRef>
+            </p:style>
+          </p:cxnSp>
+        </p:grpSp>
+        <p:grpSp>
+          <p:nvGrpSpPr>
+            <p:cNvPr id="31" name="Group 30">
+              <a:extLst>
+                <a:ext uri="{FF2B5EF4-FFF2-40B4-BE49-F238E27FC236}">
+                  <a16:creationId xmlns:a16="http://schemas.microsoft.com/office/drawing/2014/main" id="{625AC4B7-5333-1A4A-A3DD-B8A23AC11159}"/>
+                </a:ext>
+              </a:extLst>
+            </p:cNvPr>
+            <p:cNvGrpSpPr/>
+            <p:nvPr/>
+          </p:nvGrpSpPr>
+          <p:grpSpPr>
+            <a:xfrm>
+              <a:off x="4988160" y="1053613"/>
+              <a:ext cx="213756" cy="432000"/>
+              <a:chOff x="3253839" y="1175655"/>
+              <a:chExt cx="213756" cy="432000"/>
+            </a:xfrm>
+            <a:grpFill/>
+          </p:grpSpPr>
+          <p:sp>
+            <p:nvSpPr>
+              <p:cNvPr id="44" name="Oval 43">
+                <a:extLst>
+                  <a:ext uri="{FF2B5EF4-FFF2-40B4-BE49-F238E27FC236}">
+                    <a16:creationId xmlns:a16="http://schemas.microsoft.com/office/drawing/2014/main" id="{21791F6E-7427-3545-AAA8-CD99F558AEAF}"/>
+                  </a:ext>
+                </a:extLst>
+              </p:cNvPr>
+              <p:cNvSpPr/>
+              <p:nvPr/>
+            </p:nvSpPr>
+            <p:spPr>
+              <a:xfrm>
+                <a:off x="3253839" y="1300947"/>
+                <a:ext cx="213756" cy="213756"/>
+              </a:xfrm>
+              <a:prstGeom prst="ellipse">
+                <a:avLst/>
+              </a:prstGeom>
+              <a:grpFill/>
+              <a:ln>
+                <a:solidFill>
+                  <a:schemeClr val="tx1">
+                    <a:alpha val="20000"/>
+                  </a:schemeClr>
+                </a:solidFill>
+              </a:ln>
+            </p:spPr>
+            <p:style>
+              <a:lnRef idx="2">
+                <a:schemeClr val="accent4">
+                  <a:shade val="50000"/>
+                </a:schemeClr>
+              </a:lnRef>
+              <a:fillRef idx="1">
+                <a:schemeClr val="accent4"/>
+              </a:fillRef>
+              <a:effectRef idx="0">
+                <a:schemeClr val="accent4"/>
+              </a:effectRef>
+              <a:fontRef idx="minor">
+                <a:schemeClr val="lt1"/>
+              </a:fontRef>
+            </p:style>
+            <p:txBody>
+              <a:bodyPr rtlCol="0" anchor="ctr"/>
+              <a:lstStyle/>
+              <a:p>
+                <a:pPr algn="ctr"/>
+                <a:endParaRPr lang="en-CN"/>
+              </a:p>
+            </p:txBody>
+          </p:sp>
+          <p:cxnSp>
+            <p:nvCxnSpPr>
+              <p:cNvPr id="45" name="Straight Arrow Connector 44">
+                <a:extLst>
+                  <a:ext uri="{FF2B5EF4-FFF2-40B4-BE49-F238E27FC236}">
+                    <a16:creationId xmlns:a16="http://schemas.microsoft.com/office/drawing/2014/main" id="{50F79C6C-5061-2041-955A-A40F52941A7B}"/>
+                  </a:ext>
+                </a:extLst>
+              </p:cNvPr>
+              <p:cNvCxnSpPr>
+                <a:cxnSpLocks/>
+              </p:cNvCxnSpPr>
+              <p:nvPr/>
+            </p:nvCxnSpPr>
+            <p:spPr>
+              <a:xfrm flipV="1">
+                <a:off x="3360717" y="1175655"/>
+                <a:ext cx="0" cy="432000"/>
+              </a:xfrm>
+              <a:prstGeom prst="straightConnector1">
+                <a:avLst/>
+              </a:prstGeom>
+              <a:grpFill/>
+              <a:ln w="28575">
+                <a:solidFill>
+                  <a:schemeClr val="tx1">
+                    <a:alpha val="20000"/>
+                  </a:schemeClr>
+                </a:solidFill>
+                <a:headEnd type="triangle" w="med" len="med"/>
+                <a:tailEnd type="none" w="med" len="med"/>
+              </a:ln>
+            </p:spPr>
+            <p:style>
+              <a:lnRef idx="1">
+                <a:schemeClr val="accent1"/>
+              </a:lnRef>
+              <a:fillRef idx="0">
+                <a:schemeClr val="accent1"/>
+              </a:fillRef>
+              <a:effectRef idx="0">
+                <a:schemeClr val="accent1"/>
+              </a:effectRef>
+              <a:fontRef idx="minor">
+                <a:schemeClr val="tx1"/>
+              </a:fontRef>
+            </p:style>
+          </p:cxnSp>
+        </p:grpSp>
+        <p:grpSp>
+          <p:nvGrpSpPr>
+            <p:cNvPr id="32" name="Group 31">
+              <a:extLst>
+                <a:ext uri="{FF2B5EF4-FFF2-40B4-BE49-F238E27FC236}">
+                  <a16:creationId xmlns:a16="http://schemas.microsoft.com/office/drawing/2014/main" id="{0B519824-EF7C-E844-803C-A1C16678FF99}"/>
+                </a:ext>
+              </a:extLst>
+            </p:cNvPr>
+            <p:cNvGrpSpPr/>
+            <p:nvPr/>
+          </p:nvGrpSpPr>
+          <p:grpSpPr>
+            <a:xfrm>
+              <a:off x="4268160" y="1053613"/>
+              <a:ext cx="213756" cy="432000"/>
+              <a:chOff x="3253839" y="1175655"/>
+              <a:chExt cx="213756" cy="432000"/>
+            </a:xfrm>
+            <a:grpFill/>
+          </p:grpSpPr>
+          <p:sp>
+            <p:nvSpPr>
+              <p:cNvPr id="42" name="Oval 41">
+                <a:extLst>
+                  <a:ext uri="{FF2B5EF4-FFF2-40B4-BE49-F238E27FC236}">
+                    <a16:creationId xmlns:a16="http://schemas.microsoft.com/office/drawing/2014/main" id="{238D59DA-6BC3-DF4D-AA2D-E1D9249A0994}"/>
+                  </a:ext>
+                </a:extLst>
+              </p:cNvPr>
+              <p:cNvSpPr/>
+              <p:nvPr/>
+            </p:nvSpPr>
+            <p:spPr>
+              <a:xfrm>
+                <a:off x="3253839" y="1300947"/>
+                <a:ext cx="213756" cy="213756"/>
+              </a:xfrm>
+              <a:prstGeom prst="ellipse">
+                <a:avLst/>
+              </a:prstGeom>
+              <a:grpFill/>
+              <a:ln>
+                <a:solidFill>
+                  <a:schemeClr val="tx1">
+                    <a:alpha val="20000"/>
+                  </a:schemeClr>
+                </a:solidFill>
+              </a:ln>
+            </p:spPr>
+            <p:style>
+              <a:lnRef idx="2">
+                <a:schemeClr val="accent4">
+                  <a:shade val="50000"/>
+                </a:schemeClr>
+              </a:lnRef>
+              <a:fillRef idx="1">
+                <a:schemeClr val="accent4"/>
+              </a:fillRef>
+              <a:effectRef idx="0">
+                <a:schemeClr val="accent4"/>
+              </a:effectRef>
+              <a:fontRef idx="minor">
+                <a:schemeClr val="lt1"/>
+              </a:fontRef>
+            </p:style>
+            <p:txBody>
+              <a:bodyPr rtlCol="0" anchor="ctr"/>
+              <a:lstStyle/>
+              <a:p>
+                <a:pPr algn="ctr"/>
+                <a:endParaRPr lang="en-CN"/>
+              </a:p>
+            </p:txBody>
+          </p:sp>
+          <p:cxnSp>
+            <p:nvCxnSpPr>
+              <p:cNvPr id="43" name="Straight Arrow Connector 42">
+                <a:extLst>
+                  <a:ext uri="{FF2B5EF4-FFF2-40B4-BE49-F238E27FC236}">
+                    <a16:creationId xmlns:a16="http://schemas.microsoft.com/office/drawing/2014/main" id="{510D1A8D-A035-4645-AF64-7E29DFF04F9C}"/>
+                  </a:ext>
+                </a:extLst>
+              </p:cNvPr>
+              <p:cNvCxnSpPr>
+                <a:cxnSpLocks/>
+              </p:cNvCxnSpPr>
+              <p:nvPr/>
+            </p:nvCxnSpPr>
+            <p:spPr>
+              <a:xfrm flipV="1">
+                <a:off x="3360717" y="1175655"/>
+                <a:ext cx="0" cy="432000"/>
+              </a:xfrm>
+              <a:prstGeom prst="straightConnector1">
+                <a:avLst/>
+              </a:prstGeom>
+              <a:grpFill/>
+              <a:ln w="28575">
+                <a:solidFill>
+                  <a:schemeClr val="tx1">
+                    <a:alpha val="20000"/>
+                  </a:schemeClr>
+                </a:solidFill>
+                <a:tailEnd type="triangle"/>
+              </a:ln>
+            </p:spPr>
+            <p:style>
+              <a:lnRef idx="1">
+                <a:schemeClr val="accent1"/>
+              </a:lnRef>
+              <a:fillRef idx="0">
+                <a:schemeClr val="accent1"/>
+              </a:fillRef>
+              <a:effectRef idx="0">
+                <a:schemeClr val="accent1"/>
+              </a:effectRef>
+              <a:fontRef idx="minor">
+                <a:schemeClr val="tx1"/>
+              </a:fontRef>
+            </p:style>
+          </p:cxnSp>
+        </p:grpSp>
+        <p:grpSp>
+          <p:nvGrpSpPr>
+            <p:cNvPr id="33" name="Group 32">
+              <a:extLst>
+                <a:ext uri="{FF2B5EF4-FFF2-40B4-BE49-F238E27FC236}">
+                  <a16:creationId xmlns:a16="http://schemas.microsoft.com/office/drawing/2014/main" id="{A8E883C2-3119-C441-9419-86762F6E8D30}"/>
+                </a:ext>
+              </a:extLst>
+            </p:cNvPr>
+            <p:cNvGrpSpPr/>
+            <p:nvPr/>
+          </p:nvGrpSpPr>
+          <p:grpSpPr>
+            <a:xfrm>
+              <a:off x="5708160" y="1053613"/>
+              <a:ext cx="213756" cy="432000"/>
+              <a:chOff x="3253839" y="1175655"/>
+              <a:chExt cx="213756" cy="432000"/>
+            </a:xfrm>
+            <a:grpFill/>
+          </p:grpSpPr>
+          <p:sp>
+            <p:nvSpPr>
+              <p:cNvPr id="40" name="Oval 39">
+                <a:extLst>
+                  <a:ext uri="{FF2B5EF4-FFF2-40B4-BE49-F238E27FC236}">
+                    <a16:creationId xmlns:a16="http://schemas.microsoft.com/office/drawing/2014/main" id="{5D82AD0E-FF36-3C43-8AEB-C5024E4A1F93}"/>
+                  </a:ext>
+                </a:extLst>
+              </p:cNvPr>
+              <p:cNvSpPr/>
+              <p:nvPr/>
+            </p:nvSpPr>
+            <p:spPr>
+              <a:xfrm>
+                <a:off x="3253839" y="1300947"/>
+                <a:ext cx="213756" cy="213756"/>
+              </a:xfrm>
+              <a:prstGeom prst="ellipse">
+                <a:avLst/>
+              </a:prstGeom>
+              <a:grpFill/>
+              <a:ln>
+                <a:solidFill>
+                  <a:schemeClr val="tx1">
+                    <a:alpha val="20000"/>
+                  </a:schemeClr>
+                </a:solidFill>
+              </a:ln>
+            </p:spPr>
+            <p:style>
+              <a:lnRef idx="2">
+                <a:schemeClr val="accent4">
+                  <a:shade val="50000"/>
+                </a:schemeClr>
+              </a:lnRef>
+              <a:fillRef idx="1">
+                <a:schemeClr val="accent4"/>
+              </a:fillRef>
+              <a:effectRef idx="0">
+                <a:schemeClr val="accent4"/>
+              </a:effectRef>
+              <a:fontRef idx="minor">
+                <a:schemeClr val="lt1"/>
+              </a:fontRef>
+            </p:style>
+            <p:txBody>
+              <a:bodyPr rtlCol="0" anchor="ctr"/>
+              <a:lstStyle/>
+              <a:p>
+                <a:pPr algn="ctr"/>
+                <a:endParaRPr lang="en-CN"/>
+              </a:p>
+            </p:txBody>
+          </p:sp>
+          <p:cxnSp>
+            <p:nvCxnSpPr>
+              <p:cNvPr id="41" name="Straight Arrow Connector 40">
+                <a:extLst>
+                  <a:ext uri="{FF2B5EF4-FFF2-40B4-BE49-F238E27FC236}">
+                    <a16:creationId xmlns:a16="http://schemas.microsoft.com/office/drawing/2014/main" id="{FC2D482C-8315-F54E-AEA6-0F738F266F87}"/>
+                  </a:ext>
+                </a:extLst>
+              </p:cNvPr>
+              <p:cNvCxnSpPr>
+                <a:cxnSpLocks/>
+              </p:cNvCxnSpPr>
+              <p:nvPr/>
+            </p:nvCxnSpPr>
+            <p:spPr>
+              <a:xfrm flipV="1">
+                <a:off x="3360717" y="1175655"/>
+                <a:ext cx="0" cy="432000"/>
+              </a:xfrm>
+              <a:prstGeom prst="straightConnector1">
+                <a:avLst/>
+              </a:prstGeom>
+              <a:grpFill/>
+              <a:ln w="28575">
+                <a:solidFill>
+                  <a:schemeClr val="tx1">
+                    <a:alpha val="20000"/>
+                  </a:schemeClr>
+                </a:solidFill>
+                <a:headEnd type="triangle" w="med" len="med"/>
+                <a:tailEnd type="none" w="med" len="med"/>
+              </a:ln>
+            </p:spPr>
+            <p:style>
+              <a:lnRef idx="1">
+                <a:schemeClr val="accent1"/>
+              </a:lnRef>
+              <a:fillRef idx="0">
+                <a:schemeClr val="accent1"/>
+              </a:fillRef>
+              <a:effectRef idx="0">
+                <a:schemeClr val="accent1"/>
+              </a:effectRef>
+              <a:fontRef idx="minor">
+                <a:schemeClr val="tx1"/>
+              </a:fontRef>
+            </p:style>
+          </p:cxnSp>
+        </p:grpSp>
+        <p:grpSp>
+          <p:nvGrpSpPr>
+            <p:cNvPr id="34" name="Group 33">
+              <a:extLst>
+                <a:ext uri="{FF2B5EF4-FFF2-40B4-BE49-F238E27FC236}">
+                  <a16:creationId xmlns:a16="http://schemas.microsoft.com/office/drawing/2014/main" id="{AAB98782-90B1-524D-9F13-EA06A105EC4A}"/>
+                </a:ext>
+              </a:extLst>
+            </p:cNvPr>
+            <p:cNvGrpSpPr/>
+            <p:nvPr/>
+          </p:nvGrpSpPr>
+          <p:grpSpPr>
+            <a:xfrm>
+              <a:off x="6428159" y="1053613"/>
+              <a:ext cx="213756" cy="432000"/>
+              <a:chOff x="3253839" y="1175655"/>
+              <a:chExt cx="213756" cy="432000"/>
+            </a:xfrm>
+            <a:grpFill/>
+          </p:grpSpPr>
+          <p:sp>
+            <p:nvSpPr>
+              <p:cNvPr id="38" name="Oval 37">
+                <a:extLst>
+                  <a:ext uri="{FF2B5EF4-FFF2-40B4-BE49-F238E27FC236}">
+                    <a16:creationId xmlns:a16="http://schemas.microsoft.com/office/drawing/2014/main" id="{8355D9B6-7577-7B43-9F9E-B7CFF141DC63}"/>
+                  </a:ext>
+                </a:extLst>
+              </p:cNvPr>
+              <p:cNvSpPr/>
+              <p:nvPr/>
+            </p:nvSpPr>
+            <p:spPr>
+              <a:xfrm>
+                <a:off x="3253839" y="1300947"/>
+                <a:ext cx="213756" cy="213756"/>
+              </a:xfrm>
+              <a:prstGeom prst="ellipse">
+                <a:avLst/>
+              </a:prstGeom>
+              <a:grpFill/>
+              <a:ln>
+                <a:solidFill>
+                  <a:schemeClr val="tx1">
+                    <a:alpha val="20000"/>
+                  </a:schemeClr>
+                </a:solidFill>
+              </a:ln>
+            </p:spPr>
+            <p:style>
+              <a:lnRef idx="2">
+                <a:schemeClr val="accent4">
+                  <a:shade val="50000"/>
+                </a:schemeClr>
+              </a:lnRef>
+              <a:fillRef idx="1">
+                <a:schemeClr val="accent4"/>
+              </a:fillRef>
+              <a:effectRef idx="0">
+                <a:schemeClr val="accent4"/>
+              </a:effectRef>
+              <a:fontRef idx="minor">
+                <a:schemeClr val="lt1"/>
+              </a:fontRef>
+            </p:style>
+            <p:txBody>
+              <a:bodyPr rtlCol="0" anchor="ctr"/>
+              <a:lstStyle/>
+              <a:p>
+                <a:pPr algn="ctr"/>
+                <a:endParaRPr lang="en-CN"/>
+              </a:p>
+            </p:txBody>
+          </p:sp>
+          <p:cxnSp>
+            <p:nvCxnSpPr>
+              <p:cNvPr id="39" name="Straight Arrow Connector 38">
+                <a:extLst>
+                  <a:ext uri="{FF2B5EF4-FFF2-40B4-BE49-F238E27FC236}">
+                    <a16:creationId xmlns:a16="http://schemas.microsoft.com/office/drawing/2014/main" id="{E9DCE2A0-AA43-EB41-9630-E885BC49B95B}"/>
+                  </a:ext>
+                </a:extLst>
+              </p:cNvPr>
+              <p:cNvCxnSpPr>
+                <a:cxnSpLocks/>
+              </p:cNvCxnSpPr>
+              <p:nvPr/>
+            </p:nvCxnSpPr>
+            <p:spPr>
+              <a:xfrm flipV="1">
+                <a:off x="3360717" y="1175655"/>
+                <a:ext cx="0" cy="432000"/>
+              </a:xfrm>
+              <a:prstGeom prst="straightConnector1">
+                <a:avLst/>
+              </a:prstGeom>
+              <a:grpFill/>
+              <a:ln w="28575">
+                <a:solidFill>
+                  <a:schemeClr val="tx1">
+                    <a:alpha val="20000"/>
+                  </a:schemeClr>
+                </a:solidFill>
+                <a:tailEnd type="triangle"/>
+              </a:ln>
+            </p:spPr>
+            <p:style>
+              <a:lnRef idx="1">
+                <a:schemeClr val="accent1"/>
+              </a:lnRef>
+              <a:fillRef idx="0">
+                <a:schemeClr val="accent1"/>
+              </a:fillRef>
+              <a:effectRef idx="0">
+                <a:schemeClr val="accent1"/>
+              </a:effectRef>
+              <a:fontRef idx="minor">
+                <a:schemeClr val="tx1"/>
+              </a:fontRef>
+            </p:style>
+          </p:cxnSp>
+        </p:grpSp>
+        <p:grpSp>
+          <p:nvGrpSpPr>
+            <p:cNvPr id="35" name="Group 34">
+              <a:extLst>
+                <a:ext uri="{FF2B5EF4-FFF2-40B4-BE49-F238E27FC236}">
+                  <a16:creationId xmlns:a16="http://schemas.microsoft.com/office/drawing/2014/main" id="{9A33C9DC-E8A5-5040-A810-A569850F9BC1}"/>
+                </a:ext>
+              </a:extLst>
+            </p:cNvPr>
+            <p:cNvGrpSpPr/>
+            <p:nvPr/>
+          </p:nvGrpSpPr>
+          <p:grpSpPr>
+            <a:xfrm>
+              <a:off x="7148158" y="1053613"/>
+              <a:ext cx="213756" cy="432000"/>
+              <a:chOff x="3253839" y="1175655"/>
+              <a:chExt cx="213756" cy="432000"/>
+            </a:xfrm>
+            <a:grpFill/>
+          </p:grpSpPr>
+          <p:sp>
+            <p:nvSpPr>
+              <p:cNvPr id="36" name="Oval 35">
+                <a:extLst>
+                  <a:ext uri="{FF2B5EF4-FFF2-40B4-BE49-F238E27FC236}">
+                    <a16:creationId xmlns:a16="http://schemas.microsoft.com/office/drawing/2014/main" id="{549745F6-55DD-D84F-BCC7-C3AB2F63246D}"/>
+                  </a:ext>
+                </a:extLst>
+              </p:cNvPr>
+              <p:cNvSpPr/>
+              <p:nvPr/>
+            </p:nvSpPr>
+            <p:spPr>
+              <a:xfrm>
+                <a:off x="3253839" y="1300947"/>
+                <a:ext cx="213756" cy="213756"/>
+              </a:xfrm>
+              <a:prstGeom prst="ellipse">
+                <a:avLst/>
+              </a:prstGeom>
+              <a:grpFill/>
+              <a:ln>
+                <a:solidFill>
+                  <a:schemeClr val="tx1">
+                    <a:alpha val="20000"/>
+                  </a:schemeClr>
+                </a:solidFill>
+              </a:ln>
+            </p:spPr>
+            <p:style>
+              <a:lnRef idx="2">
+                <a:schemeClr val="accent4">
+                  <a:shade val="50000"/>
+                </a:schemeClr>
+              </a:lnRef>
+              <a:fillRef idx="1">
+                <a:schemeClr val="accent4"/>
+              </a:fillRef>
+              <a:effectRef idx="0">
+                <a:schemeClr val="accent4"/>
+              </a:effectRef>
+              <a:fontRef idx="minor">
+                <a:schemeClr val="lt1"/>
+              </a:fontRef>
+            </p:style>
+            <p:txBody>
+              <a:bodyPr rtlCol="0" anchor="ctr"/>
+              <a:lstStyle/>
+              <a:p>
+                <a:pPr algn="ctr"/>
+                <a:endParaRPr lang="en-CN"/>
+              </a:p>
+            </p:txBody>
+          </p:sp>
+          <p:cxnSp>
+            <p:nvCxnSpPr>
+              <p:cNvPr id="37" name="Straight Arrow Connector 36">
+                <a:extLst>
+                  <a:ext uri="{FF2B5EF4-FFF2-40B4-BE49-F238E27FC236}">
+                    <a16:creationId xmlns:a16="http://schemas.microsoft.com/office/drawing/2014/main" id="{6F515444-3C02-D84A-A1D0-BDC85A253A58}"/>
+                  </a:ext>
+                </a:extLst>
+              </p:cNvPr>
+              <p:cNvCxnSpPr>
+                <a:cxnSpLocks/>
+              </p:cNvCxnSpPr>
+              <p:nvPr/>
+            </p:nvCxnSpPr>
+            <p:spPr>
+              <a:xfrm flipV="1">
+                <a:off x="3360717" y="1175655"/>
+                <a:ext cx="0" cy="432000"/>
+              </a:xfrm>
+              <a:prstGeom prst="straightConnector1">
+                <a:avLst/>
+              </a:prstGeom>
+              <a:grpFill/>
+              <a:ln w="28575">
+                <a:solidFill>
+                  <a:schemeClr val="tx1">
+                    <a:alpha val="20000"/>
+                  </a:schemeClr>
+                </a:solidFill>
+                <a:tailEnd type="triangle"/>
+              </a:ln>
+            </p:spPr>
+            <p:style>
+              <a:lnRef idx="1">
+                <a:schemeClr val="accent1"/>
+              </a:lnRef>
+              <a:fillRef idx="0">
+                <a:schemeClr val="accent1"/>
+              </a:fillRef>
+              <a:effectRef idx="0">
+                <a:schemeClr val="accent1"/>
+              </a:effectRef>
+              <a:fontRef idx="minor">
+                <a:schemeClr val="tx1"/>
+              </a:fontRef>
+            </p:style>
+          </p:cxnSp>
+        </p:grpSp>
+      </p:grpSp>
+      <p:grpSp>
+        <p:nvGrpSpPr>
+          <p:cNvPr id="56" name="Group 55">
+            <a:extLst>
+              <a:ext uri="{FF2B5EF4-FFF2-40B4-BE49-F238E27FC236}">
+                <a16:creationId xmlns:a16="http://schemas.microsoft.com/office/drawing/2014/main" id="{922F13BA-B5C5-2448-B1F8-4131431DFC2A}"/>
+              </a:ext>
+            </a:extLst>
+          </p:cNvPr>
+          <p:cNvGrpSpPr/>
+          <p:nvPr/>
+        </p:nvGrpSpPr>
+        <p:grpSpPr>
+          <a:xfrm>
+            <a:off x="3925916" y="3397883"/>
+            <a:ext cx="3032398" cy="504000"/>
+            <a:chOff x="3938837" y="3950661"/>
+            <a:chExt cx="3032398" cy="504000"/>
+          </a:xfrm>
+        </p:grpSpPr>
+        <p:sp>
+          <p:nvSpPr>
+            <p:cNvPr id="48" name="Oval 47">
+              <a:extLst>
+                <a:ext uri="{FF2B5EF4-FFF2-40B4-BE49-F238E27FC236}">
+                  <a16:creationId xmlns:a16="http://schemas.microsoft.com/office/drawing/2014/main" id="{C2E10A46-9C8B-EF4C-9AFE-1D4B7FA05218}"/>
+                </a:ext>
+              </a:extLst>
+            </p:cNvPr>
+            <p:cNvSpPr/>
+            <p:nvPr/>
+          </p:nvSpPr>
+          <p:spPr>
+            <a:xfrm>
+              <a:off x="3938837" y="4137412"/>
+              <a:ext cx="152400" cy="152400"/>
+            </a:xfrm>
+            <a:prstGeom prst="ellipse">
+              <a:avLst/>
+            </a:prstGeom>
+          </p:spPr>
+          <p:style>
+            <a:lnRef idx="2">
+              <a:schemeClr val="accent1"/>
+            </a:lnRef>
+            <a:fillRef idx="1">
+              <a:schemeClr val="lt1"/>
+            </a:fillRef>
+            <a:effectRef idx="0">
+              <a:schemeClr val="accent1"/>
+            </a:effectRef>
+            <a:fontRef idx="minor">
+              <a:schemeClr val="dk1"/>
+            </a:fontRef>
+          </p:style>
+          <p:txBody>
+            <a:bodyPr rtlCol="0" anchor="ctr"/>
+            <a:lstStyle/>
+            <a:p>
+              <a:pPr algn="ctr"/>
+              <a:endParaRPr lang="en-CN"/>
+            </a:p>
+          </p:txBody>
+        </p:sp>
+        <p:sp>
+          <p:nvSpPr>
+            <p:cNvPr id="49" name="Oval 48">
+              <a:extLst>
+                <a:ext uri="{FF2B5EF4-FFF2-40B4-BE49-F238E27FC236}">
+                  <a16:creationId xmlns:a16="http://schemas.microsoft.com/office/drawing/2014/main" id="{9CC92858-E3C1-7F4B-A86F-BCCADE21B704}"/>
+                </a:ext>
+              </a:extLst>
+            </p:cNvPr>
+            <p:cNvSpPr/>
+            <p:nvPr/>
+          </p:nvSpPr>
+          <p:spPr>
+            <a:xfrm>
+              <a:off x="4658400" y="4137412"/>
+              <a:ext cx="152400" cy="152400"/>
+            </a:xfrm>
+            <a:prstGeom prst="ellipse">
+              <a:avLst/>
+            </a:prstGeom>
+          </p:spPr>
+          <p:style>
+            <a:lnRef idx="2">
+              <a:schemeClr val="accent1"/>
+            </a:lnRef>
+            <a:fillRef idx="1">
+              <a:schemeClr val="lt1"/>
+            </a:fillRef>
+            <a:effectRef idx="0">
+              <a:schemeClr val="accent1"/>
+            </a:effectRef>
+            <a:fontRef idx="minor">
+              <a:schemeClr val="dk1"/>
+            </a:fontRef>
+          </p:style>
+          <p:txBody>
+            <a:bodyPr rtlCol="0" anchor="ctr"/>
+            <a:lstStyle/>
+            <a:p>
+              <a:pPr algn="ctr"/>
+              <a:endParaRPr lang="en-CN"/>
+            </a:p>
+          </p:txBody>
+        </p:sp>
+        <p:sp>
+          <p:nvSpPr>
+            <p:cNvPr id="50" name="Oval 49">
+              <a:extLst>
+                <a:ext uri="{FF2B5EF4-FFF2-40B4-BE49-F238E27FC236}">
+                  <a16:creationId xmlns:a16="http://schemas.microsoft.com/office/drawing/2014/main" id="{398E3359-4A6C-414A-BD88-B3E97C244019}"/>
+                </a:ext>
+              </a:extLst>
+            </p:cNvPr>
+            <p:cNvSpPr/>
+            <p:nvPr/>
+          </p:nvSpPr>
+          <p:spPr>
+            <a:xfrm>
+              <a:off x="5378837" y="4137412"/>
+              <a:ext cx="152400" cy="152400"/>
+            </a:xfrm>
+            <a:prstGeom prst="ellipse">
+              <a:avLst/>
+            </a:prstGeom>
+          </p:spPr>
+          <p:style>
+            <a:lnRef idx="2">
+              <a:schemeClr val="accent1"/>
+            </a:lnRef>
+            <a:fillRef idx="1">
+              <a:schemeClr val="lt1"/>
+            </a:fillRef>
+            <a:effectRef idx="0">
+              <a:schemeClr val="accent1"/>
+            </a:effectRef>
+            <a:fontRef idx="minor">
+              <a:schemeClr val="dk1"/>
+            </a:fontRef>
+          </p:style>
+          <p:txBody>
+            <a:bodyPr rtlCol="0" anchor="ctr"/>
+            <a:lstStyle/>
+            <a:p>
+              <a:pPr algn="ctr"/>
+              <a:endParaRPr lang="en-CN"/>
+            </a:p>
+          </p:txBody>
+        </p:sp>
+        <p:sp>
+          <p:nvSpPr>
+            <p:cNvPr id="51" name="Oval 50">
+              <a:extLst>
+                <a:ext uri="{FF2B5EF4-FFF2-40B4-BE49-F238E27FC236}">
+                  <a16:creationId xmlns:a16="http://schemas.microsoft.com/office/drawing/2014/main" id="{144CEA30-389B-F649-B89B-BA02D8AA3BCF}"/>
+                </a:ext>
+              </a:extLst>
+            </p:cNvPr>
+            <p:cNvSpPr/>
+            <p:nvPr/>
+          </p:nvSpPr>
+          <p:spPr>
+            <a:xfrm>
+              <a:off x="6098837" y="4136400"/>
+              <a:ext cx="152400" cy="152400"/>
+            </a:xfrm>
+            <a:prstGeom prst="ellipse">
+              <a:avLst/>
+            </a:prstGeom>
+          </p:spPr>
+          <p:style>
+            <a:lnRef idx="2">
+              <a:schemeClr val="accent1"/>
+            </a:lnRef>
+            <a:fillRef idx="1">
+              <a:schemeClr val="lt1"/>
+            </a:fillRef>
+            <a:effectRef idx="0">
+              <a:schemeClr val="accent1"/>
+            </a:effectRef>
+            <a:fontRef idx="minor">
+              <a:schemeClr val="dk1"/>
+            </a:fontRef>
+          </p:style>
+          <p:txBody>
+            <a:bodyPr rtlCol="0" anchor="ctr"/>
+            <a:lstStyle/>
+            <a:p>
+              <a:pPr algn="ctr"/>
+              <a:endParaRPr lang="en-CN"/>
+            </a:p>
+          </p:txBody>
+        </p:sp>
+        <p:sp>
+          <p:nvSpPr>
+            <p:cNvPr id="52" name="Oval 51">
+              <a:extLst>
+                <a:ext uri="{FF2B5EF4-FFF2-40B4-BE49-F238E27FC236}">
+                  <a16:creationId xmlns:a16="http://schemas.microsoft.com/office/drawing/2014/main" id="{78BEC21C-D070-E64A-912C-1CD02EEAA96F}"/>
+                </a:ext>
+              </a:extLst>
+            </p:cNvPr>
+            <p:cNvSpPr/>
+            <p:nvPr/>
+          </p:nvSpPr>
+          <p:spPr>
+            <a:xfrm>
+              <a:off x="6818835" y="4137412"/>
+              <a:ext cx="152400" cy="152400"/>
+            </a:xfrm>
+            <a:prstGeom prst="ellipse">
+              <a:avLst/>
+            </a:prstGeom>
+          </p:spPr>
+          <p:style>
+            <a:lnRef idx="2">
+              <a:schemeClr val="accent1"/>
+            </a:lnRef>
+            <a:fillRef idx="1">
+              <a:schemeClr val="lt1"/>
+            </a:fillRef>
+            <a:effectRef idx="0">
+              <a:schemeClr val="accent1"/>
+            </a:effectRef>
+            <a:fontRef idx="minor">
+              <a:schemeClr val="dk1"/>
+            </a:fontRef>
+          </p:style>
+          <p:txBody>
+            <a:bodyPr rtlCol="0" anchor="ctr"/>
+            <a:lstStyle/>
+            <a:p>
+              <a:pPr algn="ctr"/>
+              <a:endParaRPr lang="en-CN"/>
+            </a:p>
+          </p:txBody>
+        </p:sp>
+        <p:cxnSp>
+          <p:nvCxnSpPr>
+            <p:cNvPr id="54" name="Straight Connector 53">
+              <a:extLst>
+                <a:ext uri="{FF2B5EF4-FFF2-40B4-BE49-F238E27FC236}">
+                  <a16:creationId xmlns:a16="http://schemas.microsoft.com/office/drawing/2014/main" id="{27458013-ABA1-484E-B8B1-65D73E2A04DB}"/>
+                </a:ext>
+              </a:extLst>
+            </p:cNvPr>
+            <p:cNvCxnSpPr/>
+            <p:nvPr/>
+          </p:nvCxnSpPr>
+          <p:spPr>
+            <a:xfrm>
+              <a:off x="4734600" y="3950661"/>
+              <a:ext cx="0" cy="504000"/>
+            </a:xfrm>
+            <a:prstGeom prst="line">
+              <a:avLst/>
+            </a:prstGeom>
+            <a:ln w="38100">
+              <a:prstDash val="sysDot"/>
+            </a:ln>
+          </p:spPr>
+          <p:style>
+            <a:lnRef idx="1">
+              <a:schemeClr val="accent1"/>
+            </a:lnRef>
+            <a:fillRef idx="0">
+              <a:schemeClr val="accent1"/>
+            </a:fillRef>
+            <a:effectRef idx="0">
+              <a:schemeClr val="accent1"/>
+            </a:effectRef>
+            <a:fontRef idx="minor">
+              <a:schemeClr val="tx1"/>
+            </a:fontRef>
+          </p:style>
+        </p:cxnSp>
+        <p:cxnSp>
+          <p:nvCxnSpPr>
+            <p:cNvPr id="55" name="Straight Connector 54">
+              <a:extLst>
+                <a:ext uri="{FF2B5EF4-FFF2-40B4-BE49-F238E27FC236}">
+                  <a16:creationId xmlns:a16="http://schemas.microsoft.com/office/drawing/2014/main" id="{9C7C321B-74DE-A042-AF05-AEAE7F58F711}"/>
+                </a:ext>
+              </a:extLst>
+            </p:cNvPr>
+            <p:cNvCxnSpPr/>
+            <p:nvPr/>
+          </p:nvCxnSpPr>
+          <p:spPr>
+            <a:xfrm>
+              <a:off x="6175037" y="3950661"/>
+              <a:ext cx="0" cy="504000"/>
+            </a:xfrm>
+            <a:prstGeom prst="line">
+              <a:avLst/>
+            </a:prstGeom>
+            <a:ln w="38100">
+              <a:prstDash val="sysDot"/>
+            </a:ln>
+          </p:spPr>
+          <p:style>
+            <a:lnRef idx="1">
+              <a:schemeClr val="accent1"/>
+            </a:lnRef>
+            <a:fillRef idx="0">
+              <a:schemeClr val="accent1"/>
+            </a:fillRef>
+            <a:effectRef idx="0">
+              <a:schemeClr val="accent1"/>
+            </a:effectRef>
+            <a:fontRef idx="minor">
+              <a:schemeClr val="tx1"/>
+            </a:fontRef>
+          </p:style>
+        </p:cxnSp>
+      </p:grpSp>
+      <p:cxnSp>
+        <p:nvCxnSpPr>
+          <p:cNvPr id="58" name="Straight Connector 57">
+            <a:extLst>
+              <a:ext uri="{FF2B5EF4-FFF2-40B4-BE49-F238E27FC236}">
+                <a16:creationId xmlns:a16="http://schemas.microsoft.com/office/drawing/2014/main" id="{6DA54A79-42D5-D248-AB84-F5437103A41B}"/>
+              </a:ext>
+            </a:extLst>
+          </p:cNvPr>
+          <p:cNvCxnSpPr/>
+          <p:nvPr/>
+        </p:nvCxnSpPr>
+        <p:spPr>
+          <a:xfrm>
+            <a:off x="3314931" y="2063295"/>
+            <a:ext cx="4320000" cy="0"/>
+          </a:xfrm>
+          <a:prstGeom prst="line">
+            <a:avLst/>
+          </a:prstGeom>
+          <a:ln w="28575">
+            <a:solidFill>
+              <a:schemeClr val="tx1"/>
+            </a:solidFill>
+          </a:ln>
+        </p:spPr>
+        <p:style>
+          <a:lnRef idx="1">
+            <a:schemeClr val="accent1"/>
+          </a:lnRef>
+          <a:fillRef idx="0">
+            <a:schemeClr val="accent1"/>
+          </a:fillRef>
+          <a:effectRef idx="0">
+            <a:schemeClr val="accent1"/>
+          </a:effectRef>
+          <a:fontRef idx="minor">
+            <a:schemeClr val="tx1"/>
+          </a:fontRef>
+        </p:style>
+      </p:cxnSp>
+    </p:spTree>
+    <p:extLst>
+      <p:ext uri="{BB962C8B-B14F-4D97-AF65-F5344CB8AC3E}">
+        <p14:creationId xmlns:p14="http://schemas.microsoft.com/office/powerpoint/2010/main" val="447049017"/>
       </p:ext>
     </p:extLst>
   </p:cSld>
